--- a/images/theory_analysis/SSL/SSL.pptx
+++ b/images/theory_analysis/SSL/SSL.pptx
@@ -5,10 +5,11 @@
     <p:sldMasterId id="2147483648" r:id="rId1"/>
   </p:sldMasterIdLst>
   <p:notesMasterIdLst>
-    <p:notesMasterId r:id="rId3"/>
+    <p:notesMasterId r:id="rId4"/>
   </p:notesMasterIdLst>
   <p:sldIdLst>
     <p:sldId id="357" r:id="rId2"/>
+    <p:sldId id="358" r:id="rId3"/>
   </p:sldIdLst>
   <p:sldSz cx="9144000" cy="5143500" type="screen16x9"/>
   <p:notesSz cx="6858000" cy="9144000"/>
@@ -109,7 +110,7 @@
   </p:defaultTextStyle>
   <p:extLst>
     <p:ext uri="{EFAFB233-063F-42B5-8137-9DF3F51BA10A}">
-      <p15:sldGuideLst xmlns="" xmlns:p15="http://schemas.microsoft.com/office/powerpoint/2012/main">
+      <p15:sldGuideLst xmlns:p15="http://schemas.microsoft.com/office/powerpoint/2012/main">
         <p15:guide id="1" orient="horz" pos="2160">
           <p15:clr>
             <a:srgbClr val="A4A3A4"/>
@@ -129,10 +130,6 @@
     </p:ext>
   </p:extLst>
 </p:presentation>
-</file>
-
-<file path=ppt/revisionInfo.xml><?xml version="1.0" encoding="utf-8"?>
-<p1510:revInfo xmlns:a="http://schemas.openxmlformats.org/drawingml/2006/main" xmlns:r="http://schemas.openxmlformats.org/officeDocument/2006/relationships" xmlns:p1510="http://schemas.microsoft.com/office/powerpoint/2015/10/main"/>
 </file>
 
 <file path=ppt/notesMasters/notesMaster1.xml><?xml version="1.0" encoding="utf-8"?>
@@ -217,7 +214,7 @@
           <a:p>
             <a:fld id="{6CD5550B-26C4-49A9-A5BA-636EF7BE6CE9}" type="datetimeFigureOut">
               <a:rPr lang="ko-KR" altLang="en-US" smtClean="0"/>
-              <a:t>2018-10-10</a:t>
+              <a:t>2018-10-14</a:t>
             </a:fld>
             <a:endParaRPr lang="ko-KR" altLang="en-US"/>
           </a:p>
@@ -568,6 +565,90 @@
 </p:notes>
 </file>
 
+<file path=ppt/notesSlides/notesSlide2.xml><?xml version="1.0" encoding="utf-8"?>
+<p:notes xmlns:a="http://schemas.openxmlformats.org/drawingml/2006/main" xmlns:r="http://schemas.openxmlformats.org/officeDocument/2006/relationships" xmlns:p="http://schemas.openxmlformats.org/presentationml/2006/main">
+  <p:cSld>
+    <p:spTree>
+      <p:nvGrpSpPr>
+        <p:cNvPr id="1" name=""/>
+        <p:cNvGrpSpPr/>
+        <p:nvPr/>
+      </p:nvGrpSpPr>
+      <p:grpSpPr>
+        <a:xfrm>
+          <a:off x="0" y="0"/>
+          <a:ext cx="0" cy="0"/>
+          <a:chOff x="0" y="0"/>
+          <a:chExt cx="0" cy="0"/>
+        </a:xfrm>
+      </p:grpSpPr>
+      <p:sp>
+        <p:nvSpPr>
+          <p:cNvPr id="2" name="슬라이드 이미지 개체 틀 1"/>
+          <p:cNvSpPr>
+            <a:spLocks noGrp="1" noRot="1" noChangeAspect="1"/>
+          </p:cNvSpPr>
+          <p:nvPr>
+            <p:ph type="sldImg"/>
+          </p:nvPr>
+        </p:nvSpPr>
+        <p:spPr/>
+      </p:sp>
+      <p:sp>
+        <p:nvSpPr>
+          <p:cNvPr id="3" name="슬라이드 노트 개체 틀 2"/>
+          <p:cNvSpPr>
+            <a:spLocks noGrp="1"/>
+          </p:cNvSpPr>
+          <p:nvPr>
+            <p:ph type="body" idx="1"/>
+          </p:nvPr>
+        </p:nvSpPr>
+        <p:spPr/>
+        <p:txBody>
+          <a:bodyPr/>
+          <a:lstStyle/>
+          <a:p>
+            <a:endParaRPr lang="ko-KR" altLang="en-US"/>
+          </a:p>
+        </p:txBody>
+      </p:sp>
+      <p:sp>
+        <p:nvSpPr>
+          <p:cNvPr id="4" name="슬라이드 번호 개체 틀 3"/>
+          <p:cNvSpPr>
+            <a:spLocks noGrp="1"/>
+          </p:cNvSpPr>
+          <p:nvPr>
+            <p:ph type="sldNum" sz="quarter" idx="10"/>
+          </p:nvPr>
+        </p:nvSpPr>
+        <p:spPr/>
+        <p:txBody>
+          <a:bodyPr/>
+          <a:lstStyle/>
+          <a:p>
+            <a:fld id="{BA5DFA43-8D57-47FB-BC46-057616015C3B}" type="slidenum">
+              <a:rPr lang="ko-KR" altLang="en-US" smtClean="0"/>
+              <a:t>2</a:t>
+            </a:fld>
+            <a:endParaRPr lang="ko-KR" altLang="en-US"/>
+          </a:p>
+        </p:txBody>
+      </p:sp>
+    </p:spTree>
+    <p:extLst>
+      <p:ext uri="{BB962C8B-B14F-4D97-AF65-F5344CB8AC3E}">
+        <p14:creationId xmlns:p14="http://schemas.microsoft.com/office/powerpoint/2010/main" val="3384776762"/>
+      </p:ext>
+    </p:extLst>
+  </p:cSld>
+  <p:clrMapOvr>
+    <a:masterClrMapping/>
+  </p:clrMapOvr>
+</p:notes>
+</file>
+
 <file path=ppt/slideLayouts/slideLayout1.xml><?xml version="1.0" encoding="utf-8"?>
 <p:sldLayout xmlns:a="http://schemas.openxmlformats.org/drawingml/2006/main" xmlns:r="http://schemas.openxmlformats.org/officeDocument/2006/relationships" xmlns:p="http://schemas.openxmlformats.org/presentationml/2006/main" type="title" preserve="1">
   <p:cSld name="제목 슬라이드">
@@ -747,7 +828,7 @@
           <a:p>
             <a:fld id="{FB30EDBD-1C2D-4C1E-B459-B60219FAB484}" type="datetimeFigureOut">
               <a:rPr lang="ko-KR" altLang="en-US" smtClean="0"/>
-              <a:t>2018-10-10</a:t>
+              <a:t>2018-10-14</a:t>
             </a:fld>
             <a:endParaRPr lang="ko-KR" altLang="en-US"/>
           </a:p>
@@ -910,7 +991,7 @@
           <a:p>
             <a:fld id="{FB30EDBD-1C2D-4C1E-B459-B60219FAB484}" type="datetimeFigureOut">
               <a:rPr lang="ko-KR" altLang="en-US" smtClean="0"/>
-              <a:t>2018-10-10</a:t>
+              <a:t>2018-10-14</a:t>
             </a:fld>
             <a:endParaRPr lang="ko-KR" altLang="en-US"/>
           </a:p>
@@ -1083,7 +1164,7 @@
           <a:p>
             <a:fld id="{FB30EDBD-1C2D-4C1E-B459-B60219FAB484}" type="datetimeFigureOut">
               <a:rPr lang="ko-KR" altLang="en-US" smtClean="0"/>
-              <a:t>2018-10-10</a:t>
+              <a:t>2018-10-14</a:t>
             </a:fld>
             <a:endParaRPr lang="ko-KR" altLang="en-US"/>
           </a:p>
@@ -1246,7 +1327,7 @@
           <a:p>
             <a:fld id="{FB30EDBD-1C2D-4C1E-B459-B60219FAB484}" type="datetimeFigureOut">
               <a:rPr lang="ko-KR" altLang="en-US" smtClean="0"/>
-              <a:t>2018-10-10</a:t>
+              <a:t>2018-10-14</a:t>
             </a:fld>
             <a:endParaRPr lang="ko-KR" altLang="en-US"/>
           </a:p>
@@ -1486,7 +1567,7 @@
           <a:p>
             <a:fld id="{FB30EDBD-1C2D-4C1E-B459-B60219FAB484}" type="datetimeFigureOut">
               <a:rPr lang="ko-KR" altLang="en-US" smtClean="0"/>
-              <a:t>2018-10-10</a:t>
+              <a:t>2018-10-14</a:t>
             </a:fld>
             <a:endParaRPr lang="ko-KR" altLang="en-US"/>
           </a:p>
@@ -1766,7 +1847,7 @@
           <a:p>
             <a:fld id="{FB30EDBD-1C2D-4C1E-B459-B60219FAB484}" type="datetimeFigureOut">
               <a:rPr lang="ko-KR" altLang="en-US" smtClean="0"/>
-              <a:t>2018-10-10</a:t>
+              <a:t>2018-10-14</a:t>
             </a:fld>
             <a:endParaRPr lang="ko-KR" altLang="en-US"/>
           </a:p>
@@ -2180,7 +2261,7 @@
           <a:p>
             <a:fld id="{FB30EDBD-1C2D-4C1E-B459-B60219FAB484}" type="datetimeFigureOut">
               <a:rPr lang="ko-KR" altLang="en-US" smtClean="0"/>
-              <a:t>2018-10-10</a:t>
+              <a:t>2018-10-14</a:t>
             </a:fld>
             <a:endParaRPr lang="ko-KR" altLang="en-US"/>
           </a:p>
@@ -2292,7 +2373,7 @@
           <a:p>
             <a:fld id="{FB30EDBD-1C2D-4C1E-B459-B60219FAB484}" type="datetimeFigureOut">
               <a:rPr lang="ko-KR" altLang="en-US" smtClean="0"/>
-              <a:t>2018-10-10</a:t>
+              <a:t>2018-10-14</a:t>
             </a:fld>
             <a:endParaRPr lang="ko-KR" altLang="en-US"/>
           </a:p>
@@ -2382,7 +2463,7 @@
           <a:p>
             <a:fld id="{FB30EDBD-1C2D-4C1E-B459-B60219FAB484}" type="datetimeFigureOut">
               <a:rPr lang="ko-KR" altLang="en-US" smtClean="0"/>
-              <a:t>2018-10-10</a:t>
+              <a:t>2018-10-14</a:t>
             </a:fld>
             <a:endParaRPr lang="ko-KR" altLang="en-US"/>
           </a:p>
@@ -2652,7 +2733,7 @@
           <a:p>
             <a:fld id="{FB30EDBD-1C2D-4C1E-B459-B60219FAB484}" type="datetimeFigureOut">
               <a:rPr lang="ko-KR" altLang="en-US" smtClean="0"/>
-              <a:t>2018-10-10</a:t>
+              <a:t>2018-10-14</a:t>
             </a:fld>
             <a:endParaRPr lang="ko-KR" altLang="en-US"/>
           </a:p>
@@ -2899,7 +2980,7 @@
           <a:p>
             <a:fld id="{FB30EDBD-1C2D-4C1E-B459-B60219FAB484}" type="datetimeFigureOut">
               <a:rPr lang="ko-KR" altLang="en-US" smtClean="0"/>
-              <a:t>2018-10-10</a:t>
+              <a:t>2018-10-14</a:t>
             </a:fld>
             <a:endParaRPr lang="ko-KR" altLang="en-US"/>
           </a:p>
@@ -3105,7 +3186,7 @@
           <a:p>
             <a:fld id="{FB30EDBD-1C2D-4C1E-B459-B60219FAB484}" type="datetimeFigureOut">
               <a:rPr lang="ko-KR" altLang="en-US" smtClean="0"/>
-              <a:t>2018-10-10</a:t>
+              <a:t>2018-10-14</a:t>
             </a:fld>
             <a:endParaRPr lang="ko-KR" altLang="en-US"/>
           </a:p>
@@ -3475,52 +3556,18 @@
           <a:chExt cx="0" cy="0"/>
         </a:xfrm>
       </p:grpSpPr>
-      <p:sp>
-        <p:nvSpPr>
-          <p:cNvPr id="2" name="제목 1"/>
-          <p:cNvSpPr>
-            <a:spLocks noGrp="1"/>
-          </p:cNvSpPr>
-          <p:nvPr>
-            <p:ph type="title"/>
-          </p:nvPr>
-        </p:nvSpPr>
-        <p:spPr>
-          <a:xfrm>
-            <a:off x="565354" y="24473"/>
-            <a:ext cx="8229600" cy="857250"/>
-          </a:xfrm>
-        </p:spPr>
-        <p:txBody>
-          <a:bodyPr/>
-          <a:lstStyle/>
-          <a:p>
-            <a:r>
-              <a:rPr lang="en-US" altLang="ko-KR" dirty="0" err="1"/>
-              <a:t>SLB</a:t>
-            </a:r>
-            <a:r>
-              <a:rPr lang="en-US" altLang="ko-KR" dirty="0"/>
-              <a:t> </a:t>
-            </a:r>
-            <a:r>
-              <a:rPr lang="en-US" altLang="ko-KR" dirty="0" smtClean="0"/>
-              <a:t>Handshake</a:t>
-            </a:r>
-            <a:endParaRPr lang="ko-KR" altLang="en-US" dirty="0"/>
-          </a:p>
-        </p:txBody>
-      </p:sp>
       <p:cxnSp>
         <p:nvCxnSpPr>
           <p:cNvPr id="14" name="직선 연결선 13"/>
-          <p:cNvCxnSpPr/>
+          <p:cNvCxnSpPr>
+            <a:cxnSpLocks/>
+          </p:cNvCxnSpPr>
           <p:nvPr/>
         </p:nvCxnSpPr>
         <p:spPr>
           <a:xfrm>
-            <a:off x="2554008" y="1109860"/>
-            <a:ext cx="0" cy="2352988"/>
+            <a:off x="2554008" y="933047"/>
+            <a:ext cx="0" cy="4014967"/>
           </a:xfrm>
           <a:prstGeom prst="line">
             <a:avLst/>
@@ -3529,6 +3576,9 @@
             <a:solidFill>
               <a:schemeClr val="tx1"/>
             </a:solidFill>
+            <a:prstDash val="dash"/>
+            <a:headEnd type="none" w="med" len="med"/>
+            <a:tailEnd type="none" w="med" len="med"/>
           </a:ln>
         </p:spPr>
         <p:style>
@@ -3548,13 +3598,43 @@
       </p:cxnSp>
       <p:sp>
         <p:nvSpPr>
+          <p:cNvPr id="2" name="제목 1"/>
+          <p:cNvSpPr>
+            <a:spLocks noGrp="1"/>
+          </p:cNvSpPr>
+          <p:nvPr>
+            <p:ph type="title"/>
+          </p:nvPr>
+        </p:nvSpPr>
+        <p:spPr>
+          <a:xfrm>
+            <a:off x="565354" y="-164554"/>
+            <a:ext cx="8229600" cy="857250"/>
+          </a:xfrm>
+        </p:spPr>
+        <p:txBody>
+          <a:bodyPr>
+            <a:normAutofit fontScale="90000"/>
+          </a:bodyPr>
+          <a:lstStyle/>
+          <a:p>
+            <a:r>
+              <a:rPr lang="en-US" altLang="ko-KR"/>
+              <a:t>SSL Handshake with no session id</a:t>
+            </a:r>
+            <a:endParaRPr lang="ko-KR" altLang="en-US" dirty="0"/>
+          </a:p>
+        </p:txBody>
+      </p:sp>
+      <p:sp>
+        <p:nvSpPr>
           <p:cNvPr id="15" name="TextBox 14"/>
           <p:cNvSpPr txBox="1"/>
           <p:nvPr/>
         </p:nvSpPr>
         <p:spPr>
           <a:xfrm>
-            <a:off x="1832162" y="732339"/>
+            <a:off x="1832162" y="555526"/>
             <a:ext cx="1443694" cy="346249"/>
           </a:xfrm>
           <a:prstGeom prst="rect">
@@ -3570,11 +3650,11 @@
           <a:p>
             <a:pPr algn="ctr"/>
             <a:r>
-              <a:rPr lang="en-US" altLang="ko-KR" dirty="0" err="1" smtClean="0"/>
+              <a:rPr lang="en-US" altLang="ko-KR" dirty="0" err="1"/>
               <a:t>SSL</a:t>
             </a:r>
             <a:r>
-              <a:rPr lang="en-US" altLang="ko-KR" dirty="0" smtClean="0"/>
+              <a:rPr lang="en-US" altLang="ko-KR" dirty="0"/>
               <a:t> Client</a:t>
             </a:r>
             <a:endParaRPr lang="ko-KR" altLang="en-US" dirty="0"/>
@@ -3584,13 +3664,15 @@
       <p:cxnSp>
         <p:nvCxnSpPr>
           <p:cNvPr id="16" name="직선 연결선 15"/>
-          <p:cNvCxnSpPr/>
+          <p:cNvCxnSpPr>
+            <a:cxnSpLocks/>
+          </p:cNvCxnSpPr>
           <p:nvPr/>
         </p:nvCxnSpPr>
         <p:spPr>
           <a:xfrm>
-            <a:off x="6547731" y="1109860"/>
-            <a:ext cx="0" cy="2352988"/>
+            <a:off x="6547731" y="933047"/>
+            <a:ext cx="0" cy="4014967"/>
           </a:xfrm>
           <a:prstGeom prst="line">
             <a:avLst/>
@@ -3599,6 +3681,9 @@
             <a:solidFill>
               <a:schemeClr val="tx1"/>
             </a:solidFill>
+            <a:prstDash val="dash"/>
+            <a:headEnd type="none" w="med" len="med"/>
+            <a:tailEnd type="none" w="med" len="med"/>
           </a:ln>
         </p:spPr>
         <p:style>
@@ -3624,7 +3709,7 @@
         </p:nvSpPr>
         <p:spPr>
           <a:xfrm>
-            <a:off x="5715149" y="732339"/>
+            <a:off x="5715149" y="555526"/>
             <a:ext cx="1665164" cy="346249"/>
           </a:xfrm>
           <a:prstGeom prst="rect">
@@ -3640,16 +3725,12 @@
           <a:p>
             <a:pPr algn="ctr"/>
             <a:r>
-              <a:rPr lang="en-US" altLang="ko-KR" dirty="0" err="1" smtClean="0"/>
+              <a:rPr lang="en-US" altLang="ko-KR" dirty="0" err="1"/>
               <a:t>SSL</a:t>
             </a:r>
             <a:r>
-              <a:rPr lang="en-US" altLang="ko-KR" dirty="0" smtClean="0"/>
-              <a:t> </a:t>
-            </a:r>
-            <a:r>
-              <a:rPr lang="en-US" altLang="ko-KR" dirty="0" smtClean="0"/>
-              <a:t>Server</a:t>
+              <a:rPr lang="en-US" altLang="ko-KR" dirty="0"/>
+              <a:t> Server</a:t>
             </a:r>
             <a:endParaRPr lang="ko-KR" altLang="en-US" dirty="0"/>
           </a:p>
@@ -3663,7 +3744,7 @@
         </p:nvCxnSpPr>
         <p:spPr>
           <a:xfrm>
-            <a:off x="2554008" y="1379055"/>
+            <a:off x="2554008" y="1202242"/>
             <a:ext cx="3993722" cy="0"/>
           </a:xfrm>
           <a:prstGeom prst="line">
@@ -3700,7 +3781,7 @@
         </p:nvSpPr>
         <p:spPr>
           <a:xfrm>
-            <a:off x="2954541" y="1131590"/>
+            <a:off x="2954541" y="954777"/>
             <a:ext cx="3192656" cy="238527"/>
           </a:xfrm>
           <a:prstGeom prst="rect">
@@ -3716,8 +3797,12 @@
           <a:p>
             <a:pPr algn="ctr"/>
             <a:r>
-              <a:rPr lang="en-US" altLang="ko-KR" sz="1100" dirty="0" smtClean="0"/>
-              <a:t>Client hello</a:t>
+              <a:rPr lang="en-US" altLang="ko-KR" sz="1100"/>
+              <a:t>1. Client </a:t>
+            </a:r>
+            <a:r>
+              <a:rPr lang="en-US" altLang="ko-KR" sz="1100" dirty="0"/>
+              <a:t>hello</a:t>
             </a:r>
             <a:endParaRPr lang="ko-KR" altLang="en-US" sz="1100" dirty="0"/>
           </a:p>
@@ -3726,13 +3811,15 @@
       <p:cxnSp>
         <p:nvCxnSpPr>
           <p:cNvPr id="20" name="직선 연결선 19"/>
-          <p:cNvCxnSpPr/>
+          <p:cNvCxnSpPr>
+            <a:cxnSpLocks/>
+          </p:cNvCxnSpPr>
           <p:nvPr/>
         </p:nvCxnSpPr>
         <p:spPr>
-          <a:xfrm flipH="1" flipV="1">
-            <a:off x="2575139" y="1660280"/>
-            <a:ext cx="3971711" cy="1002"/>
+          <a:xfrm flipH="1">
+            <a:off x="2554008" y="1493501"/>
+            <a:ext cx="3992843" cy="0"/>
           </a:xfrm>
           <a:prstGeom prst="line">
             <a:avLst/>
@@ -3768,7 +3855,7 @@
         </p:nvSpPr>
         <p:spPr>
           <a:xfrm>
-            <a:off x="2954539" y="1421753"/>
+            <a:off x="2954539" y="1253972"/>
             <a:ext cx="3192660" cy="238527"/>
           </a:xfrm>
           <a:prstGeom prst="rect">
@@ -3784,23 +3871,34 @@
           <a:p>
             <a:pPr algn="ctr"/>
             <a:r>
-              <a:rPr lang="en-US" altLang="ko-KR" sz="1100" dirty="0" smtClean="0"/>
-              <a:t>Server hello</a:t>
-            </a:r>
-            <a:endParaRPr lang="en-US" altLang="ko-KR" sz="1100" dirty="0"/>
+              <a:rPr lang="en-US" altLang="ko-KR" sz="1100"/>
+              <a:t>2. Server </a:t>
+            </a:r>
+            <a:r>
+              <a:rPr lang="en-US" altLang="ko-KR" sz="1100" dirty="0"/>
+              <a:t>hello</a:t>
+            </a:r>
           </a:p>
         </p:txBody>
       </p:sp>
       <p:cxnSp>
         <p:nvCxnSpPr>
-          <p:cNvPr id="22" name="직선 연결선 21"/>
-          <p:cNvCxnSpPr/>
+          <p:cNvPr id="27" name="직선 연결선 26">
+            <a:extLst>
+              <a:ext uri="{FF2B5EF4-FFF2-40B4-BE49-F238E27FC236}">
+                <a16:creationId xmlns:a16="http://schemas.microsoft.com/office/drawing/2014/main" id="{5E80DC9F-9923-4F26-B693-EBC87DB1CE27}"/>
+              </a:ext>
+            </a:extLst>
+          </p:cNvPr>
+          <p:cNvCxnSpPr>
+            <a:cxnSpLocks/>
+          </p:cNvCxnSpPr>
           <p:nvPr/>
         </p:nvCxnSpPr>
         <p:spPr>
-          <a:xfrm>
-            <a:off x="2554008" y="4110838"/>
-            <a:ext cx="3993722" cy="0"/>
+          <a:xfrm flipH="1">
+            <a:off x="2554008" y="1788687"/>
+            <a:ext cx="3992843" cy="0"/>
           </a:xfrm>
           <a:prstGeom prst="line">
             <a:avLst/>
@@ -3830,14 +3928,20 @@
       </p:cxnSp>
       <p:sp>
         <p:nvSpPr>
-          <p:cNvPr id="23" name="TextBox 22"/>
+          <p:cNvPr id="33" name="TextBox 32">
+            <a:extLst>
+              <a:ext uri="{FF2B5EF4-FFF2-40B4-BE49-F238E27FC236}">
+                <a16:creationId xmlns:a16="http://schemas.microsoft.com/office/drawing/2014/main" id="{E94F729B-379B-4653-B3B4-E0CE68964F4C}"/>
+              </a:ext>
+            </a:extLst>
+          </p:cNvPr>
           <p:cNvSpPr txBox="1"/>
           <p:nvPr/>
         </p:nvSpPr>
         <p:spPr>
           <a:xfrm>
-            <a:off x="2954539" y="3556342"/>
-            <a:ext cx="3192658" cy="577081"/>
+            <a:off x="2917968" y="1550160"/>
+            <a:ext cx="3192660" cy="238527"/>
           </a:xfrm>
           <a:prstGeom prst="rect">
             <a:avLst/>
@@ -3850,108 +3954,33 @@
           </a:bodyPr>
           <a:lstStyle/>
           <a:p>
-            <a:r>
-              <a:rPr lang="en-US" altLang="ko-KR" sz="1100" dirty="0"/>
-              <a:t>GET /</a:t>
-            </a:r>
-            <a:r>
-              <a:rPr lang="en-US" altLang="ko-KR" sz="1100" dirty="0" err="1"/>
-              <a:t>protected_resource</a:t>
-            </a:r>
-            <a:r>
-              <a:rPr lang="en-US" altLang="ko-KR" sz="1100" dirty="0"/>
-              <a:t> HTTP/1.1</a:t>
-            </a:r>
-          </a:p>
-          <a:p>
-            <a:r>
-              <a:rPr lang="en-US" altLang="ko-KR" sz="1100" dirty="0"/>
-              <a:t>Host: </a:t>
-            </a:r>
-            <a:r>
-              <a:rPr lang="en-US" altLang="ko-KR" sz="1100" dirty="0" err="1"/>
-              <a:t>ssup2.com</a:t>
+            <a:pPr algn="ctr"/>
+            <a:r>
+              <a:rPr lang="en-US" altLang="ko-KR" sz="1100"/>
+              <a:t>3. Server certificate (Optional)</a:t>
             </a:r>
             <a:endParaRPr lang="en-US" altLang="ko-KR" sz="1100" dirty="0"/>
-          </a:p>
-          <a:p>
-            <a:r>
-              <a:rPr lang="en-US" altLang="ko-KR" sz="1100" dirty="0"/>
-              <a:t>Authorize: Basic </a:t>
-            </a:r>
-            <a:r>
-              <a:rPr lang="en-US" altLang="ko-KR" sz="1100" dirty="0" err="1"/>
-              <a:t>c3N1cDI6c3N1cDI</a:t>
-            </a:r>
-            <a:r>
-              <a:rPr lang="en-US" altLang="ko-KR" sz="1100" dirty="0"/>
-              <a:t>=</a:t>
-            </a:r>
-            <a:endParaRPr lang="ko-KR" altLang="en-US" sz="1100" dirty="0"/>
-          </a:p>
-        </p:txBody>
-      </p:sp>
-      <p:sp>
-        <p:nvSpPr>
-          <p:cNvPr id="24" name="TextBox 23"/>
-          <p:cNvSpPr txBox="1"/>
-          <p:nvPr/>
-        </p:nvSpPr>
-        <p:spPr>
-          <a:xfrm>
-            <a:off x="3035941" y="3965887"/>
-            <a:ext cx="3029854" cy="238527"/>
-          </a:xfrm>
-          <a:prstGeom prst="rect">
-            <a:avLst/>
-          </a:prstGeom>
-          <a:noFill/>
-        </p:spPr>
-        <p:txBody>
-          <a:bodyPr wrap="square" lIns="68580" tIns="34290" rIns="68580" bIns="34290" rtlCol="0" anchor="ctr">
-            <a:spAutoFit/>
-          </a:bodyPr>
-          <a:lstStyle/>
-          <a:p>
-            <a:pPr algn="ctr"/>
-            <a:r>
-              <a:rPr lang="en-US" altLang="ko-KR" sz="1100" dirty="0" err="1" smtClean="0"/>
-              <a:t>Base64</a:t>
-            </a:r>
-            <a:r>
-              <a:rPr lang="en-US" altLang="ko-KR" sz="1100" dirty="0" smtClean="0"/>
-              <a:t>(</a:t>
-            </a:r>
-            <a:r>
-              <a:rPr lang="en-US" altLang="ko-KR" sz="1100" dirty="0" err="1" smtClean="0"/>
-              <a:t>ssup2:ssup2</a:t>
-            </a:r>
-            <a:r>
-              <a:rPr lang="en-US" altLang="ko-KR" sz="1100" dirty="0"/>
-              <a:t>) = </a:t>
-            </a:r>
-            <a:r>
-              <a:rPr lang="en-US" altLang="ko-KR" sz="1100" dirty="0" err="1"/>
-              <a:t>c3N1cDI6c3N1cDI</a:t>
-            </a:r>
-            <a:r>
-              <a:rPr lang="en-US" altLang="ko-KR" sz="1100" dirty="0" smtClean="0"/>
-              <a:t>=</a:t>
-            </a:r>
-            <a:endParaRPr lang="ko-KR" altLang="en-US" sz="1100" dirty="0"/>
           </a:p>
         </p:txBody>
       </p:sp>
       <p:cxnSp>
         <p:nvCxnSpPr>
-          <p:cNvPr id="25" name="직선 연결선 24"/>
-          <p:cNvCxnSpPr/>
+          <p:cNvPr id="42" name="직선 연결선 41">
+            <a:extLst>
+              <a:ext uri="{FF2B5EF4-FFF2-40B4-BE49-F238E27FC236}">
+                <a16:creationId xmlns:a16="http://schemas.microsoft.com/office/drawing/2014/main" id="{4E327FFC-11F2-47BB-BB81-71D688D585D7}"/>
+              </a:ext>
+            </a:extLst>
+          </p:cNvPr>
+          <p:cNvCxnSpPr>
+            <a:cxnSpLocks/>
+          </p:cNvCxnSpPr>
           <p:nvPr/>
         </p:nvCxnSpPr>
         <p:spPr>
           <a:xfrm flipH="1">
-            <a:off x="2575139" y="4515966"/>
-            <a:ext cx="3972592" cy="0"/>
+            <a:off x="2554008" y="2371374"/>
+            <a:ext cx="3992843" cy="0"/>
           </a:xfrm>
           <a:prstGeom prst="line">
             <a:avLst/>
@@ -3981,14 +4010,20 @@
       </p:cxnSp>
       <p:sp>
         <p:nvSpPr>
-          <p:cNvPr id="26" name="TextBox 25"/>
+          <p:cNvPr id="43" name="TextBox 42">
+            <a:extLst>
+              <a:ext uri="{FF2B5EF4-FFF2-40B4-BE49-F238E27FC236}">
+                <a16:creationId xmlns:a16="http://schemas.microsoft.com/office/drawing/2014/main" id="{65C4A01C-9E5E-4F58-B561-9BB389256B27}"/>
+              </a:ext>
+            </a:extLst>
+          </p:cNvPr>
           <p:cNvSpPr txBox="1"/>
           <p:nvPr/>
         </p:nvSpPr>
         <p:spPr>
           <a:xfrm>
-            <a:off x="2954539" y="4277439"/>
-            <a:ext cx="3192658" cy="238527"/>
+            <a:off x="2954539" y="2131845"/>
+            <a:ext cx="3192660" cy="238527"/>
           </a:xfrm>
           <a:prstGeom prst="rect">
             <a:avLst/>
@@ -4001,271 +4036,10 @@
           </a:bodyPr>
           <a:lstStyle/>
           <a:p>
-            <a:r>
-              <a:rPr lang="en-US" altLang="ko-KR" sz="1100" dirty="0"/>
-              <a:t>HTTP 1.1 </a:t>
-            </a:r>
-            <a:r>
-              <a:rPr lang="en-US" altLang="ko-KR" sz="1100" dirty="0" smtClean="0"/>
-              <a:t>200 OK</a:t>
-            </a:r>
-            <a:endParaRPr lang="en-US" altLang="ko-KR" sz="1100" dirty="0"/>
-          </a:p>
-        </p:txBody>
-      </p:sp>
-      <p:sp>
-        <p:nvSpPr>
-          <p:cNvPr id="3" name="자유형 2"/>
-          <p:cNvSpPr/>
-          <p:nvPr/>
-        </p:nvSpPr>
-        <p:spPr>
-          <a:xfrm flipH="1">
-            <a:off x="2555630" y="1873864"/>
-            <a:ext cx="263769" cy="363416"/>
-          </a:xfrm>
-          <a:custGeom>
-            <a:avLst/>
-            <a:gdLst>
-              <a:gd name="connsiteX0" fmla="*/ 275493 w 275493"/>
-              <a:gd name="connsiteY0" fmla="*/ 0 h 363416"/>
-              <a:gd name="connsiteX1" fmla="*/ 0 w 275493"/>
-              <a:gd name="connsiteY1" fmla="*/ 0 h 363416"/>
-              <a:gd name="connsiteX2" fmla="*/ 0 w 275493"/>
-              <a:gd name="connsiteY2" fmla="*/ 363416 h 363416"/>
-              <a:gd name="connsiteX3" fmla="*/ 275493 w 275493"/>
-              <a:gd name="connsiteY3" fmla="*/ 363416 h 363416"/>
-            </a:gdLst>
-            <a:ahLst/>
-            <a:cxnLst>
-              <a:cxn ang="0">
-                <a:pos x="connsiteX0" y="connsiteY0"/>
-              </a:cxn>
-              <a:cxn ang="0">
-                <a:pos x="connsiteX1" y="connsiteY1"/>
-              </a:cxn>
-              <a:cxn ang="0">
-                <a:pos x="connsiteX2" y="connsiteY2"/>
-              </a:cxn>
-              <a:cxn ang="0">
-                <a:pos x="connsiteX3" y="connsiteY3"/>
-              </a:cxn>
-            </a:cxnLst>
-            <a:rect l="l" t="t" r="r" b="b"/>
-            <a:pathLst>
-              <a:path w="275493" h="363416">
-                <a:moveTo>
-                  <a:pt x="275493" y="0"/>
-                </a:moveTo>
-                <a:lnTo>
-                  <a:pt x="0" y="0"/>
-                </a:lnTo>
-                <a:lnTo>
-                  <a:pt x="0" y="363416"/>
-                </a:lnTo>
-                <a:lnTo>
-                  <a:pt x="275493" y="363416"/>
-                </a:lnTo>
-              </a:path>
-            </a:pathLst>
-          </a:custGeom>
-          <a:ln w="28575">
-            <a:solidFill>
-              <a:schemeClr val="tx1"/>
-            </a:solidFill>
-            <a:headEnd type="none" w="med" len="med"/>
-            <a:tailEnd type="arrow" w="med" len="med"/>
-          </a:ln>
-        </p:spPr>
-        <p:style>
-          <a:lnRef idx="1">
-            <a:schemeClr val="accent1"/>
-          </a:lnRef>
-          <a:fillRef idx="0">
-            <a:schemeClr val="accent1"/>
-          </a:fillRef>
-          <a:effectRef idx="0">
-            <a:schemeClr val="accent1"/>
-          </a:effectRef>
-          <a:fontRef idx="minor">
-            <a:schemeClr val="tx1"/>
-          </a:fontRef>
-        </p:style>
-        <p:txBody>
-          <a:bodyPr rtlCol="0" anchor="ctr"/>
-          <a:lstStyle/>
-          <a:p>
             <a:pPr algn="ctr"/>
-            <a:endParaRPr lang="ko-KR" altLang="en-US"/>
-          </a:p>
-        </p:txBody>
-      </p:sp>
-      <p:sp>
-        <p:nvSpPr>
-          <p:cNvPr id="28" name="자유형 27"/>
-          <p:cNvSpPr/>
-          <p:nvPr/>
-        </p:nvSpPr>
-        <p:spPr>
-          <a:xfrm>
-            <a:off x="6272238" y="3170732"/>
-            <a:ext cx="275493" cy="363416"/>
-          </a:xfrm>
-          <a:custGeom>
-            <a:avLst/>
-            <a:gdLst>
-              <a:gd name="connsiteX0" fmla="*/ 275493 w 275493"/>
-              <a:gd name="connsiteY0" fmla="*/ 0 h 363416"/>
-              <a:gd name="connsiteX1" fmla="*/ 0 w 275493"/>
-              <a:gd name="connsiteY1" fmla="*/ 0 h 363416"/>
-              <a:gd name="connsiteX2" fmla="*/ 0 w 275493"/>
-              <a:gd name="connsiteY2" fmla="*/ 363416 h 363416"/>
-              <a:gd name="connsiteX3" fmla="*/ 275493 w 275493"/>
-              <a:gd name="connsiteY3" fmla="*/ 363416 h 363416"/>
-            </a:gdLst>
-            <a:ahLst/>
-            <a:cxnLst>
-              <a:cxn ang="0">
-                <a:pos x="connsiteX0" y="connsiteY0"/>
-              </a:cxn>
-              <a:cxn ang="0">
-                <a:pos x="connsiteX1" y="connsiteY1"/>
-              </a:cxn>
-              <a:cxn ang="0">
-                <a:pos x="connsiteX2" y="connsiteY2"/>
-              </a:cxn>
-              <a:cxn ang="0">
-                <a:pos x="connsiteX3" y="connsiteY3"/>
-              </a:cxn>
-            </a:cxnLst>
-            <a:rect l="l" t="t" r="r" b="b"/>
-            <a:pathLst>
-              <a:path w="275493" h="363416">
-                <a:moveTo>
-                  <a:pt x="275493" y="0"/>
-                </a:moveTo>
-                <a:lnTo>
-                  <a:pt x="0" y="0"/>
-                </a:lnTo>
-                <a:lnTo>
-                  <a:pt x="0" y="363416"/>
-                </a:lnTo>
-                <a:lnTo>
-                  <a:pt x="275493" y="363416"/>
-                </a:lnTo>
-              </a:path>
-            </a:pathLst>
-          </a:custGeom>
-          <a:ln w="28575">
-            <a:solidFill>
-              <a:schemeClr val="tx1"/>
-            </a:solidFill>
-            <a:headEnd type="none" w="med" len="med"/>
-            <a:tailEnd type="arrow" w="med" len="med"/>
-          </a:ln>
-        </p:spPr>
-        <p:style>
-          <a:lnRef idx="1">
-            <a:schemeClr val="accent1"/>
-          </a:lnRef>
-          <a:fillRef idx="0">
-            <a:schemeClr val="accent1"/>
-          </a:fillRef>
-          <a:effectRef idx="0">
-            <a:schemeClr val="accent1"/>
-          </a:effectRef>
-          <a:fontRef idx="minor">
-            <a:schemeClr val="tx1"/>
-          </a:fontRef>
-        </p:style>
-        <p:txBody>
-          <a:bodyPr rtlCol="0" anchor="ctr"/>
-          <a:lstStyle/>
-          <a:p>
-            <a:pPr algn="ctr"/>
-            <a:endParaRPr lang="ko-KR" altLang="en-US"/>
-          </a:p>
-        </p:txBody>
-      </p:sp>
-      <p:sp>
-        <p:nvSpPr>
-          <p:cNvPr id="29" name="TextBox 28"/>
-          <p:cNvSpPr txBox="1"/>
-          <p:nvPr/>
-        </p:nvSpPr>
-        <p:spPr>
-          <a:xfrm>
-            <a:off x="2819399" y="1851670"/>
-            <a:ext cx="1824609" cy="407804"/>
-          </a:xfrm>
-          <a:prstGeom prst="rect">
-            <a:avLst/>
-          </a:prstGeom>
-          <a:noFill/>
-        </p:spPr>
-        <p:txBody>
-          <a:bodyPr wrap="square" lIns="68580" tIns="34290" rIns="68580" bIns="34290" rtlCol="0" anchor="ctr">
-            <a:spAutoFit/>
-          </a:bodyPr>
-          <a:lstStyle/>
-          <a:p>
-            <a:pPr algn="ctr"/>
-            <a:r>
-              <a:rPr lang="en-US" altLang="ko-KR" sz="1100" dirty="0" smtClean="0"/>
-              <a:t>Verify server certificate / </a:t>
-            </a:r>
-          </a:p>
-          <a:p>
-            <a:pPr algn="ctr"/>
-            <a:r>
-              <a:rPr lang="en-US" altLang="ko-KR" sz="1100" dirty="0" smtClean="0"/>
-              <a:t>Extract public </a:t>
-            </a:r>
-            <a:r>
-              <a:rPr lang="en-US" altLang="ko-KR" sz="1100" dirty="0"/>
-              <a:t>k</a:t>
-            </a:r>
-            <a:r>
-              <a:rPr lang="en-US" altLang="ko-KR" sz="1100" dirty="0" smtClean="0"/>
-              <a:t>ey</a:t>
-            </a:r>
-            <a:endParaRPr lang="en-US" altLang="ko-KR" sz="1100" dirty="0"/>
-          </a:p>
-        </p:txBody>
-      </p:sp>
-      <p:sp>
-        <p:nvSpPr>
-          <p:cNvPr id="30" name="TextBox 29"/>
-          <p:cNvSpPr txBox="1"/>
-          <p:nvPr/>
-        </p:nvSpPr>
-        <p:spPr>
-          <a:xfrm>
-            <a:off x="4447629" y="3148538"/>
-            <a:ext cx="1824609" cy="407804"/>
-          </a:xfrm>
-          <a:prstGeom prst="rect">
-            <a:avLst/>
-          </a:prstGeom>
-          <a:noFill/>
-        </p:spPr>
-        <p:txBody>
-          <a:bodyPr wrap="square" lIns="68580" tIns="34290" rIns="68580" bIns="34290" rtlCol="0" anchor="ctr">
-            <a:spAutoFit/>
-          </a:bodyPr>
-          <a:lstStyle/>
-          <a:p>
-            <a:pPr algn="ctr"/>
-            <a:r>
-              <a:rPr lang="en-US" altLang="ko-KR" sz="1100" dirty="0" smtClean="0"/>
-              <a:t>Verify server certificate / </a:t>
-            </a:r>
-          </a:p>
-          <a:p>
-            <a:pPr algn="ctr"/>
-            <a:r>
-              <a:rPr lang="en-US" altLang="ko-KR" sz="1100" dirty="0" smtClean="0"/>
-              <a:t>Check cryptographic info</a:t>
+            <a:r>
+              <a:rPr lang="en-US" altLang="ko-KR" sz="1100"/>
+              <a:t>5. Server hello done</a:t>
             </a:r>
             <a:endParaRPr lang="en-US" altLang="ko-KR" sz="1100" dirty="0"/>
           </a:p>
@@ -4273,14 +4047,22 @@
       </p:sp>
       <p:cxnSp>
         <p:nvCxnSpPr>
-          <p:cNvPr id="31" name="직선 연결선 30"/>
-          <p:cNvCxnSpPr/>
+          <p:cNvPr id="44" name="직선 연결선 43">
+            <a:extLst>
+              <a:ext uri="{FF2B5EF4-FFF2-40B4-BE49-F238E27FC236}">
+                <a16:creationId xmlns:a16="http://schemas.microsoft.com/office/drawing/2014/main" id="{A9FA9947-4719-41E6-95DB-DCCA789F6C97}"/>
+              </a:ext>
+            </a:extLst>
+          </p:cNvPr>
+          <p:cNvCxnSpPr>
+            <a:cxnSpLocks/>
+          </p:cNvCxnSpPr>
           <p:nvPr/>
         </p:nvCxnSpPr>
         <p:spPr>
-          <a:xfrm>
-            <a:off x="2554008" y="2484287"/>
-            <a:ext cx="3993722" cy="0"/>
+          <a:xfrm flipH="1">
+            <a:off x="2554008" y="6338669"/>
+            <a:ext cx="3992843" cy="0"/>
           </a:xfrm>
           <a:prstGeom prst="line">
             <a:avLst/>
@@ -4310,14 +4092,20 @@
       </p:cxnSp>
       <p:sp>
         <p:nvSpPr>
-          <p:cNvPr id="32" name="TextBox 31"/>
+          <p:cNvPr id="45" name="TextBox 44">
+            <a:extLst>
+              <a:ext uri="{FF2B5EF4-FFF2-40B4-BE49-F238E27FC236}">
+                <a16:creationId xmlns:a16="http://schemas.microsoft.com/office/drawing/2014/main" id="{8FBD6DBB-8D81-4556-A8B6-6870395055BB}"/>
+              </a:ext>
+            </a:extLst>
+          </p:cNvPr>
           <p:cNvSpPr txBox="1"/>
           <p:nvPr/>
         </p:nvSpPr>
         <p:spPr>
           <a:xfrm>
-            <a:off x="2954541" y="2236822"/>
-            <a:ext cx="3192656" cy="238527"/>
+            <a:off x="2917968" y="6100142"/>
+            <a:ext cx="3192660" cy="238527"/>
           </a:xfrm>
           <a:prstGeom prst="rect">
             <a:avLst/>
@@ -4332,8 +4120,730 @@
           <a:p>
             <a:pPr algn="ctr"/>
             <a:r>
-              <a:rPr lang="en-US" altLang="ko-KR" sz="1100" dirty="0" smtClean="0"/>
-              <a:t>Client hello</a:t>
+              <a:rPr lang="en-US" altLang="ko-KR" sz="1100"/>
+              <a:t>5. Server hello done</a:t>
+            </a:r>
+            <a:endParaRPr lang="en-US" altLang="ko-KR" sz="1100" dirty="0"/>
+          </a:p>
+        </p:txBody>
+      </p:sp>
+      <p:cxnSp>
+        <p:nvCxnSpPr>
+          <p:cNvPr id="46" name="직선 연결선 45">
+            <a:extLst>
+              <a:ext uri="{FF2B5EF4-FFF2-40B4-BE49-F238E27FC236}">
+                <a16:creationId xmlns:a16="http://schemas.microsoft.com/office/drawing/2014/main" id="{39891AFB-9156-427A-8543-7BB3A8A9C9E6}"/>
+              </a:ext>
+            </a:extLst>
+          </p:cNvPr>
+          <p:cNvCxnSpPr/>
+          <p:nvPr/>
+        </p:nvCxnSpPr>
+        <p:spPr>
+          <a:xfrm>
+            <a:off x="2554008" y="2661144"/>
+            <a:ext cx="3993722" cy="0"/>
+          </a:xfrm>
+          <a:prstGeom prst="line">
+            <a:avLst/>
+          </a:prstGeom>
+          <a:ln w="28575">
+            <a:solidFill>
+              <a:schemeClr val="tx1"/>
+            </a:solidFill>
+            <a:headEnd type="none" w="med" len="med"/>
+            <a:tailEnd type="arrow" w="med" len="med"/>
+          </a:ln>
+        </p:spPr>
+        <p:style>
+          <a:lnRef idx="1">
+            <a:schemeClr val="accent1"/>
+          </a:lnRef>
+          <a:fillRef idx="0">
+            <a:schemeClr val="accent1"/>
+          </a:fillRef>
+          <a:effectRef idx="0">
+            <a:schemeClr val="accent1"/>
+          </a:effectRef>
+          <a:fontRef idx="minor">
+            <a:schemeClr val="tx1"/>
+          </a:fontRef>
+        </p:style>
+      </p:cxnSp>
+      <p:sp>
+        <p:nvSpPr>
+          <p:cNvPr id="47" name="TextBox 46">
+            <a:extLst>
+              <a:ext uri="{FF2B5EF4-FFF2-40B4-BE49-F238E27FC236}">
+                <a16:creationId xmlns:a16="http://schemas.microsoft.com/office/drawing/2014/main" id="{312811A8-A851-48FF-93C0-66CCAB421337}"/>
+              </a:ext>
+            </a:extLst>
+          </p:cNvPr>
+          <p:cNvSpPr txBox="1"/>
+          <p:nvPr/>
+        </p:nvSpPr>
+        <p:spPr>
+          <a:xfrm>
+            <a:off x="2954541" y="2422617"/>
+            <a:ext cx="3192656" cy="238527"/>
+          </a:xfrm>
+          <a:prstGeom prst="rect">
+            <a:avLst/>
+          </a:prstGeom>
+          <a:noFill/>
+        </p:spPr>
+        <p:txBody>
+          <a:bodyPr wrap="square" lIns="68580" tIns="34290" rIns="68580" bIns="34290" rtlCol="0" anchor="ctr">
+            <a:spAutoFit/>
+          </a:bodyPr>
+          <a:lstStyle/>
+          <a:p>
+            <a:pPr algn="ctr"/>
+            <a:r>
+              <a:rPr lang="en-US" altLang="ko-KR" sz="1100"/>
+              <a:t>6. Client certificate (Optional) </a:t>
+            </a:r>
+            <a:endParaRPr lang="ko-KR" altLang="en-US" sz="1100" dirty="0"/>
+          </a:p>
+        </p:txBody>
+      </p:sp>
+      <p:cxnSp>
+        <p:nvCxnSpPr>
+          <p:cNvPr id="48" name="직선 연결선 47">
+            <a:extLst>
+              <a:ext uri="{FF2B5EF4-FFF2-40B4-BE49-F238E27FC236}">
+                <a16:creationId xmlns:a16="http://schemas.microsoft.com/office/drawing/2014/main" id="{DDA4906D-07DC-4DE6-A86A-B5D11F151D8B}"/>
+              </a:ext>
+            </a:extLst>
+          </p:cNvPr>
+          <p:cNvCxnSpPr>
+            <a:cxnSpLocks/>
+          </p:cNvCxnSpPr>
+          <p:nvPr/>
+        </p:nvCxnSpPr>
+        <p:spPr>
+          <a:xfrm flipH="1">
+            <a:off x="2554008" y="2080594"/>
+            <a:ext cx="3992843" cy="0"/>
+          </a:xfrm>
+          <a:prstGeom prst="line">
+            <a:avLst/>
+          </a:prstGeom>
+          <a:ln w="28575">
+            <a:solidFill>
+              <a:schemeClr val="tx1"/>
+            </a:solidFill>
+            <a:headEnd type="none" w="med" len="med"/>
+            <a:tailEnd type="arrow" w="med" len="med"/>
+          </a:ln>
+        </p:spPr>
+        <p:style>
+          <a:lnRef idx="1">
+            <a:schemeClr val="accent1"/>
+          </a:lnRef>
+          <a:fillRef idx="0">
+            <a:schemeClr val="accent1"/>
+          </a:fillRef>
+          <a:effectRef idx="0">
+            <a:schemeClr val="accent1"/>
+          </a:effectRef>
+          <a:fontRef idx="minor">
+            <a:schemeClr val="tx1"/>
+          </a:fontRef>
+        </p:style>
+      </p:cxnSp>
+      <p:sp>
+        <p:nvSpPr>
+          <p:cNvPr id="49" name="TextBox 48">
+            <a:extLst>
+              <a:ext uri="{FF2B5EF4-FFF2-40B4-BE49-F238E27FC236}">
+                <a16:creationId xmlns:a16="http://schemas.microsoft.com/office/drawing/2014/main" id="{7F1A670D-8814-4CE0-86EB-15EB50C8933B}"/>
+              </a:ext>
+            </a:extLst>
+          </p:cNvPr>
+          <p:cNvSpPr txBox="1"/>
+          <p:nvPr/>
+        </p:nvSpPr>
+        <p:spPr>
+          <a:xfrm>
+            <a:off x="2917968" y="1842067"/>
+            <a:ext cx="3192660" cy="238527"/>
+          </a:xfrm>
+          <a:prstGeom prst="rect">
+            <a:avLst/>
+          </a:prstGeom>
+          <a:noFill/>
+        </p:spPr>
+        <p:txBody>
+          <a:bodyPr wrap="square" lIns="68580" tIns="34290" rIns="68580" bIns="34290" rtlCol="0" anchor="ctr">
+            <a:spAutoFit/>
+          </a:bodyPr>
+          <a:lstStyle/>
+          <a:p>
+            <a:pPr algn="ctr"/>
+            <a:r>
+              <a:rPr lang="en-US" altLang="ko-KR" sz="1100"/>
+              <a:t>4. Server key (Optional)</a:t>
+            </a:r>
+            <a:endParaRPr lang="en-US" altLang="ko-KR" sz="1100" dirty="0"/>
+          </a:p>
+        </p:txBody>
+      </p:sp>
+      <p:cxnSp>
+        <p:nvCxnSpPr>
+          <p:cNvPr id="52" name="직선 연결선 51">
+            <a:extLst>
+              <a:ext uri="{FF2B5EF4-FFF2-40B4-BE49-F238E27FC236}">
+                <a16:creationId xmlns:a16="http://schemas.microsoft.com/office/drawing/2014/main" id="{269273A2-7BF0-4651-95E2-1818B874A510}"/>
+              </a:ext>
+            </a:extLst>
+          </p:cNvPr>
+          <p:cNvCxnSpPr/>
+          <p:nvPr/>
+        </p:nvCxnSpPr>
+        <p:spPr>
+          <a:xfrm>
+            <a:off x="2554008" y="2954420"/>
+            <a:ext cx="3993722" cy="0"/>
+          </a:xfrm>
+          <a:prstGeom prst="line">
+            <a:avLst/>
+          </a:prstGeom>
+          <a:ln w="28575">
+            <a:solidFill>
+              <a:schemeClr val="tx1"/>
+            </a:solidFill>
+            <a:headEnd type="none" w="med" len="med"/>
+            <a:tailEnd type="arrow" w="med" len="med"/>
+          </a:ln>
+        </p:spPr>
+        <p:style>
+          <a:lnRef idx="1">
+            <a:schemeClr val="accent1"/>
+          </a:lnRef>
+          <a:fillRef idx="0">
+            <a:schemeClr val="accent1"/>
+          </a:fillRef>
+          <a:effectRef idx="0">
+            <a:schemeClr val="accent1"/>
+          </a:effectRef>
+          <a:fontRef idx="minor">
+            <a:schemeClr val="tx1"/>
+          </a:fontRef>
+        </p:style>
+      </p:cxnSp>
+      <p:sp>
+        <p:nvSpPr>
+          <p:cNvPr id="53" name="TextBox 52">
+            <a:extLst>
+              <a:ext uri="{FF2B5EF4-FFF2-40B4-BE49-F238E27FC236}">
+                <a16:creationId xmlns:a16="http://schemas.microsoft.com/office/drawing/2014/main" id="{ACB65787-1943-491F-9EE6-687435E76CB7}"/>
+              </a:ext>
+            </a:extLst>
+          </p:cNvPr>
+          <p:cNvSpPr txBox="1"/>
+          <p:nvPr/>
+        </p:nvSpPr>
+        <p:spPr>
+          <a:xfrm>
+            <a:off x="2954541" y="2715893"/>
+            <a:ext cx="3192656" cy="238527"/>
+          </a:xfrm>
+          <a:prstGeom prst="rect">
+            <a:avLst/>
+          </a:prstGeom>
+          <a:noFill/>
+        </p:spPr>
+        <p:txBody>
+          <a:bodyPr wrap="square" lIns="68580" tIns="34290" rIns="68580" bIns="34290" rtlCol="0" anchor="ctr">
+            <a:spAutoFit/>
+          </a:bodyPr>
+          <a:lstStyle/>
+          <a:p>
+            <a:pPr algn="ctr"/>
+            <a:r>
+              <a:rPr lang="en-US" altLang="ko-KR" sz="1100"/>
+              <a:t>7. Client key (Pre-master key)</a:t>
+            </a:r>
+            <a:endParaRPr lang="ko-KR" altLang="en-US" sz="1100" dirty="0"/>
+          </a:p>
+        </p:txBody>
+      </p:sp>
+      <p:cxnSp>
+        <p:nvCxnSpPr>
+          <p:cNvPr id="54" name="직선 연결선 53">
+            <a:extLst>
+              <a:ext uri="{FF2B5EF4-FFF2-40B4-BE49-F238E27FC236}">
+                <a16:creationId xmlns:a16="http://schemas.microsoft.com/office/drawing/2014/main" id="{273E7F8E-ACC3-4152-A16D-B15756D81FE5}"/>
+              </a:ext>
+            </a:extLst>
+          </p:cNvPr>
+          <p:cNvCxnSpPr/>
+          <p:nvPr/>
+        </p:nvCxnSpPr>
+        <p:spPr>
+          <a:xfrm>
+            <a:off x="2554008" y="3245619"/>
+            <a:ext cx="3993722" cy="0"/>
+          </a:xfrm>
+          <a:prstGeom prst="line">
+            <a:avLst/>
+          </a:prstGeom>
+          <a:ln w="28575">
+            <a:solidFill>
+              <a:schemeClr val="tx1"/>
+            </a:solidFill>
+            <a:headEnd type="none" w="med" len="med"/>
+            <a:tailEnd type="arrow" w="med" len="med"/>
+          </a:ln>
+        </p:spPr>
+        <p:style>
+          <a:lnRef idx="1">
+            <a:schemeClr val="accent1"/>
+          </a:lnRef>
+          <a:fillRef idx="0">
+            <a:schemeClr val="accent1"/>
+          </a:fillRef>
+          <a:effectRef idx="0">
+            <a:schemeClr val="accent1"/>
+          </a:effectRef>
+          <a:fontRef idx="minor">
+            <a:schemeClr val="tx1"/>
+          </a:fontRef>
+        </p:style>
+      </p:cxnSp>
+      <p:sp>
+        <p:nvSpPr>
+          <p:cNvPr id="55" name="TextBox 54">
+            <a:extLst>
+              <a:ext uri="{FF2B5EF4-FFF2-40B4-BE49-F238E27FC236}">
+                <a16:creationId xmlns:a16="http://schemas.microsoft.com/office/drawing/2014/main" id="{A77B5788-FC26-4BF1-9A4A-B35A06086490}"/>
+              </a:ext>
+            </a:extLst>
+          </p:cNvPr>
+          <p:cNvSpPr txBox="1"/>
+          <p:nvPr/>
+        </p:nvSpPr>
+        <p:spPr>
+          <a:xfrm>
+            <a:off x="2954541" y="3007092"/>
+            <a:ext cx="3192656" cy="238527"/>
+          </a:xfrm>
+          <a:prstGeom prst="rect">
+            <a:avLst/>
+          </a:prstGeom>
+          <a:noFill/>
+        </p:spPr>
+        <p:txBody>
+          <a:bodyPr wrap="square" lIns="68580" tIns="34290" rIns="68580" bIns="34290" rtlCol="0" anchor="ctr">
+            <a:spAutoFit/>
+          </a:bodyPr>
+          <a:lstStyle/>
+          <a:p>
+            <a:pPr algn="ctr"/>
+            <a:r>
+              <a:rPr lang="en-US" altLang="ko-KR" sz="1100"/>
+              <a:t>8. Client certificate verification (Optional)</a:t>
+            </a:r>
+            <a:endParaRPr lang="ko-KR" altLang="en-US" sz="1100" dirty="0"/>
+          </a:p>
+        </p:txBody>
+      </p:sp>
+      <p:cxnSp>
+        <p:nvCxnSpPr>
+          <p:cNvPr id="56" name="직선 연결선 55">
+            <a:extLst>
+              <a:ext uri="{FF2B5EF4-FFF2-40B4-BE49-F238E27FC236}">
+                <a16:creationId xmlns:a16="http://schemas.microsoft.com/office/drawing/2014/main" id="{894325AA-AB75-44F0-9F2D-213706D9840B}"/>
+              </a:ext>
+            </a:extLst>
+          </p:cNvPr>
+          <p:cNvCxnSpPr/>
+          <p:nvPr/>
+        </p:nvCxnSpPr>
+        <p:spPr>
+          <a:xfrm>
+            <a:off x="2547829" y="3533600"/>
+            <a:ext cx="3993722" cy="0"/>
+          </a:xfrm>
+          <a:prstGeom prst="line">
+            <a:avLst/>
+          </a:prstGeom>
+          <a:ln w="28575">
+            <a:solidFill>
+              <a:schemeClr val="tx1"/>
+            </a:solidFill>
+            <a:headEnd type="none" w="med" len="med"/>
+            <a:tailEnd type="arrow" w="med" len="med"/>
+          </a:ln>
+        </p:spPr>
+        <p:style>
+          <a:lnRef idx="1">
+            <a:schemeClr val="accent1"/>
+          </a:lnRef>
+          <a:fillRef idx="0">
+            <a:schemeClr val="accent1"/>
+          </a:fillRef>
+          <a:effectRef idx="0">
+            <a:schemeClr val="accent1"/>
+          </a:effectRef>
+          <a:fontRef idx="minor">
+            <a:schemeClr val="tx1"/>
+          </a:fontRef>
+        </p:style>
+      </p:cxnSp>
+      <p:sp>
+        <p:nvSpPr>
+          <p:cNvPr id="57" name="TextBox 56">
+            <a:extLst>
+              <a:ext uri="{FF2B5EF4-FFF2-40B4-BE49-F238E27FC236}">
+                <a16:creationId xmlns:a16="http://schemas.microsoft.com/office/drawing/2014/main" id="{9DD5CDE2-131D-40A5-9F71-78FDA27CA543}"/>
+              </a:ext>
+            </a:extLst>
+          </p:cNvPr>
+          <p:cNvSpPr txBox="1"/>
+          <p:nvPr/>
+        </p:nvSpPr>
+        <p:spPr>
+          <a:xfrm>
+            <a:off x="2948362" y="3295073"/>
+            <a:ext cx="3192656" cy="238527"/>
+          </a:xfrm>
+          <a:prstGeom prst="rect">
+            <a:avLst/>
+          </a:prstGeom>
+          <a:noFill/>
+        </p:spPr>
+        <p:txBody>
+          <a:bodyPr wrap="square" lIns="68580" tIns="34290" rIns="68580" bIns="34290" rtlCol="0" anchor="ctr">
+            <a:spAutoFit/>
+          </a:bodyPr>
+          <a:lstStyle/>
+          <a:p>
+            <a:pPr algn="ctr"/>
+            <a:r>
+              <a:rPr lang="en-US" altLang="ko-KR" sz="1100"/>
+              <a:t>8. Change cipher spec</a:t>
+            </a:r>
+            <a:endParaRPr lang="ko-KR" altLang="en-US" sz="1100" dirty="0"/>
+          </a:p>
+        </p:txBody>
+      </p:sp>
+      <p:cxnSp>
+        <p:nvCxnSpPr>
+          <p:cNvPr id="58" name="직선 연결선 57">
+            <a:extLst>
+              <a:ext uri="{FF2B5EF4-FFF2-40B4-BE49-F238E27FC236}">
+                <a16:creationId xmlns:a16="http://schemas.microsoft.com/office/drawing/2014/main" id="{6E400A8A-FF7C-4A75-9F67-A1F83E81BDDD}"/>
+              </a:ext>
+            </a:extLst>
+          </p:cNvPr>
+          <p:cNvCxnSpPr/>
+          <p:nvPr/>
+        </p:nvCxnSpPr>
+        <p:spPr>
+          <a:xfrm>
+            <a:off x="2554008" y="3824380"/>
+            <a:ext cx="3993722" cy="0"/>
+          </a:xfrm>
+          <a:prstGeom prst="line">
+            <a:avLst/>
+          </a:prstGeom>
+          <a:ln w="28575">
+            <a:solidFill>
+              <a:schemeClr val="tx1"/>
+            </a:solidFill>
+            <a:headEnd type="none" w="med" len="med"/>
+            <a:tailEnd type="arrow" w="med" len="med"/>
+          </a:ln>
+        </p:spPr>
+        <p:style>
+          <a:lnRef idx="1">
+            <a:schemeClr val="accent1"/>
+          </a:lnRef>
+          <a:fillRef idx="0">
+            <a:schemeClr val="accent1"/>
+          </a:fillRef>
+          <a:effectRef idx="0">
+            <a:schemeClr val="accent1"/>
+          </a:effectRef>
+          <a:fontRef idx="minor">
+            <a:schemeClr val="tx1"/>
+          </a:fontRef>
+        </p:style>
+      </p:cxnSp>
+      <p:sp>
+        <p:nvSpPr>
+          <p:cNvPr id="59" name="TextBox 58">
+            <a:extLst>
+              <a:ext uri="{FF2B5EF4-FFF2-40B4-BE49-F238E27FC236}">
+                <a16:creationId xmlns:a16="http://schemas.microsoft.com/office/drawing/2014/main" id="{48754042-8D1C-45CF-9349-6D386CCAC557}"/>
+              </a:ext>
+            </a:extLst>
+          </p:cNvPr>
+          <p:cNvSpPr txBox="1"/>
+          <p:nvPr/>
+        </p:nvSpPr>
+        <p:spPr>
+          <a:xfrm>
+            <a:off x="2954541" y="3585853"/>
+            <a:ext cx="3192656" cy="238527"/>
+          </a:xfrm>
+          <a:prstGeom prst="rect">
+            <a:avLst/>
+          </a:prstGeom>
+          <a:noFill/>
+        </p:spPr>
+        <p:txBody>
+          <a:bodyPr wrap="square" lIns="68580" tIns="34290" rIns="68580" bIns="34290" rtlCol="0" anchor="ctr">
+            <a:spAutoFit/>
+          </a:bodyPr>
+          <a:lstStyle/>
+          <a:p>
+            <a:pPr algn="ctr"/>
+            <a:r>
+              <a:rPr lang="en-US" altLang="ko-KR" sz="1100"/>
+              <a:t>9. Client finish</a:t>
+            </a:r>
+            <a:endParaRPr lang="ko-KR" altLang="en-US" sz="1100" dirty="0"/>
+          </a:p>
+        </p:txBody>
+      </p:sp>
+      <p:cxnSp>
+        <p:nvCxnSpPr>
+          <p:cNvPr id="60" name="직선 연결선 59">
+            <a:extLst>
+              <a:ext uri="{FF2B5EF4-FFF2-40B4-BE49-F238E27FC236}">
+                <a16:creationId xmlns:a16="http://schemas.microsoft.com/office/drawing/2014/main" id="{393BCCF4-E01A-44C6-8782-42051C54257B}"/>
+              </a:ext>
+            </a:extLst>
+          </p:cNvPr>
+          <p:cNvCxnSpPr/>
+          <p:nvPr/>
+        </p:nvCxnSpPr>
+        <p:spPr>
+          <a:xfrm>
+            <a:off x="2547829" y="4112283"/>
+            <a:ext cx="3993722" cy="0"/>
+          </a:xfrm>
+          <a:prstGeom prst="line">
+            <a:avLst/>
+          </a:prstGeom>
+          <a:ln w="28575">
+            <a:solidFill>
+              <a:schemeClr val="tx1"/>
+            </a:solidFill>
+            <a:headEnd type="arrow" w="med" len="med"/>
+            <a:tailEnd type="none" w="med" len="med"/>
+          </a:ln>
+        </p:spPr>
+        <p:style>
+          <a:lnRef idx="1">
+            <a:schemeClr val="accent1"/>
+          </a:lnRef>
+          <a:fillRef idx="0">
+            <a:schemeClr val="accent1"/>
+          </a:fillRef>
+          <a:effectRef idx="0">
+            <a:schemeClr val="accent1"/>
+          </a:effectRef>
+          <a:fontRef idx="minor">
+            <a:schemeClr val="tx1"/>
+          </a:fontRef>
+        </p:style>
+      </p:cxnSp>
+      <p:sp>
+        <p:nvSpPr>
+          <p:cNvPr id="61" name="TextBox 60">
+            <a:extLst>
+              <a:ext uri="{FF2B5EF4-FFF2-40B4-BE49-F238E27FC236}">
+                <a16:creationId xmlns:a16="http://schemas.microsoft.com/office/drawing/2014/main" id="{79B00122-7477-4434-A379-93470BC63028}"/>
+              </a:ext>
+            </a:extLst>
+          </p:cNvPr>
+          <p:cNvSpPr txBox="1"/>
+          <p:nvPr/>
+        </p:nvSpPr>
+        <p:spPr>
+          <a:xfrm>
+            <a:off x="2948362" y="3873756"/>
+            <a:ext cx="3192656" cy="238527"/>
+          </a:xfrm>
+          <a:prstGeom prst="rect">
+            <a:avLst/>
+          </a:prstGeom>
+          <a:noFill/>
+        </p:spPr>
+        <p:txBody>
+          <a:bodyPr wrap="square" lIns="68580" tIns="34290" rIns="68580" bIns="34290" rtlCol="0" anchor="ctr">
+            <a:spAutoFit/>
+          </a:bodyPr>
+          <a:lstStyle/>
+          <a:p>
+            <a:pPr algn="ctr"/>
+            <a:r>
+              <a:rPr lang="en-US" altLang="ko-KR" sz="1100"/>
+              <a:t>10. Change cipher spec</a:t>
+            </a:r>
+            <a:endParaRPr lang="ko-KR" altLang="en-US" sz="1100" dirty="0"/>
+          </a:p>
+        </p:txBody>
+      </p:sp>
+      <p:cxnSp>
+        <p:nvCxnSpPr>
+          <p:cNvPr id="62" name="직선 연결선 61">
+            <a:extLst>
+              <a:ext uri="{FF2B5EF4-FFF2-40B4-BE49-F238E27FC236}">
+                <a16:creationId xmlns:a16="http://schemas.microsoft.com/office/drawing/2014/main" id="{6462EE50-3860-4BF9-8B5B-9E9C6F8DEF5B}"/>
+              </a:ext>
+            </a:extLst>
+          </p:cNvPr>
+          <p:cNvCxnSpPr/>
+          <p:nvPr/>
+        </p:nvCxnSpPr>
+        <p:spPr>
+          <a:xfrm>
+            <a:off x="2554008" y="4403063"/>
+            <a:ext cx="3993722" cy="0"/>
+          </a:xfrm>
+          <a:prstGeom prst="line">
+            <a:avLst/>
+          </a:prstGeom>
+          <a:ln w="28575">
+            <a:solidFill>
+              <a:schemeClr val="tx1"/>
+            </a:solidFill>
+            <a:headEnd type="arrow" w="med" len="med"/>
+            <a:tailEnd type="none" w="med" len="med"/>
+          </a:ln>
+        </p:spPr>
+        <p:style>
+          <a:lnRef idx="1">
+            <a:schemeClr val="accent1"/>
+          </a:lnRef>
+          <a:fillRef idx="0">
+            <a:schemeClr val="accent1"/>
+          </a:fillRef>
+          <a:effectRef idx="0">
+            <a:schemeClr val="accent1"/>
+          </a:effectRef>
+          <a:fontRef idx="minor">
+            <a:schemeClr val="tx1"/>
+          </a:fontRef>
+        </p:style>
+      </p:cxnSp>
+      <p:cxnSp>
+        <p:nvCxnSpPr>
+          <p:cNvPr id="65" name="직선 연결선 64">
+            <a:extLst>
+              <a:ext uri="{FF2B5EF4-FFF2-40B4-BE49-F238E27FC236}">
+                <a16:creationId xmlns:a16="http://schemas.microsoft.com/office/drawing/2014/main" id="{31F040DA-CEF1-4CF3-A39F-3C18BFE737F3}"/>
+              </a:ext>
+            </a:extLst>
+          </p:cNvPr>
+          <p:cNvCxnSpPr/>
+          <p:nvPr/>
+        </p:nvCxnSpPr>
+        <p:spPr>
+          <a:xfrm>
+            <a:off x="2554008" y="4812317"/>
+            <a:ext cx="3993722" cy="0"/>
+          </a:xfrm>
+          <a:prstGeom prst="line">
+            <a:avLst/>
+          </a:prstGeom>
+          <a:ln w="28575">
+            <a:solidFill>
+              <a:schemeClr val="tx1"/>
+            </a:solidFill>
+            <a:headEnd type="arrow" w="med" len="med"/>
+            <a:tailEnd type="arrow" w="med" len="med"/>
+          </a:ln>
+        </p:spPr>
+        <p:style>
+          <a:lnRef idx="1">
+            <a:schemeClr val="accent1"/>
+          </a:lnRef>
+          <a:fillRef idx="0">
+            <a:schemeClr val="accent1"/>
+          </a:fillRef>
+          <a:effectRef idx="0">
+            <a:schemeClr val="accent1"/>
+          </a:effectRef>
+          <a:fontRef idx="minor">
+            <a:schemeClr val="tx1"/>
+          </a:fontRef>
+        </p:style>
+      </p:cxnSp>
+      <p:sp>
+        <p:nvSpPr>
+          <p:cNvPr id="63" name="TextBox 62">
+            <a:extLst>
+              <a:ext uri="{FF2B5EF4-FFF2-40B4-BE49-F238E27FC236}">
+                <a16:creationId xmlns:a16="http://schemas.microsoft.com/office/drawing/2014/main" id="{2BF6C344-CEEC-4BED-8EAC-BC32A20073DD}"/>
+              </a:ext>
+            </a:extLst>
+          </p:cNvPr>
+          <p:cNvSpPr txBox="1"/>
+          <p:nvPr/>
+        </p:nvSpPr>
+        <p:spPr>
+          <a:xfrm>
+            <a:off x="2954541" y="4164536"/>
+            <a:ext cx="3192656" cy="238527"/>
+          </a:xfrm>
+          <a:prstGeom prst="rect">
+            <a:avLst/>
+          </a:prstGeom>
+          <a:noFill/>
+        </p:spPr>
+        <p:txBody>
+          <a:bodyPr wrap="square" lIns="68580" tIns="34290" rIns="68580" bIns="34290" rtlCol="0" anchor="ctr">
+            <a:spAutoFit/>
+          </a:bodyPr>
+          <a:lstStyle/>
+          <a:p>
+            <a:pPr algn="ctr"/>
+            <a:r>
+              <a:rPr lang="en-US" altLang="ko-KR" sz="1100"/>
+              <a:t>11. Client finish</a:t>
+            </a:r>
+            <a:endParaRPr lang="ko-KR" altLang="en-US" sz="1100" dirty="0"/>
+          </a:p>
+        </p:txBody>
+      </p:sp>
+      <p:sp>
+        <p:nvSpPr>
+          <p:cNvPr id="66" name="TextBox 65">
+            <a:extLst>
+              <a:ext uri="{FF2B5EF4-FFF2-40B4-BE49-F238E27FC236}">
+                <a16:creationId xmlns:a16="http://schemas.microsoft.com/office/drawing/2014/main" id="{6D88113C-C756-4D18-A2F2-B401F3084479}"/>
+              </a:ext>
+            </a:extLst>
+          </p:cNvPr>
+          <p:cNvSpPr txBox="1"/>
+          <p:nvPr/>
+        </p:nvSpPr>
+        <p:spPr>
+          <a:xfrm>
+            <a:off x="2954541" y="4573790"/>
+            <a:ext cx="3192656" cy="238527"/>
+          </a:xfrm>
+          <a:prstGeom prst="rect">
+            <a:avLst/>
+          </a:prstGeom>
+          <a:noFill/>
+        </p:spPr>
+        <p:txBody>
+          <a:bodyPr wrap="square" lIns="68580" tIns="34290" rIns="68580" bIns="34290" rtlCol="0" anchor="ctr">
+            <a:spAutoFit/>
+          </a:bodyPr>
+          <a:lstStyle/>
+          <a:p>
+            <a:pPr algn="ctr"/>
+            <a:r>
+              <a:rPr lang="en-US" altLang="ko-KR" sz="1100"/>
+              <a:t>12. App data</a:t>
             </a:r>
             <a:endParaRPr lang="ko-KR" altLang="en-US" sz="1100" dirty="0"/>
           </a:p>
@@ -4343,6 +4853,843 @@
     <p:extLst>
       <p:ext uri="{BB962C8B-B14F-4D97-AF65-F5344CB8AC3E}">
         <p14:creationId xmlns:p14="http://schemas.microsoft.com/office/powerpoint/2010/main" val="2785787533"/>
+      </p:ext>
+    </p:extLst>
+  </p:cSld>
+  <p:clrMapOvr>
+    <a:masterClrMapping/>
+  </p:clrMapOvr>
+</p:sld>
+</file>
+
+<file path=ppt/slides/slide2.xml><?xml version="1.0" encoding="utf-8"?>
+<p:sld xmlns:a="http://schemas.openxmlformats.org/drawingml/2006/main" xmlns:r="http://schemas.openxmlformats.org/officeDocument/2006/relationships" xmlns:p="http://schemas.openxmlformats.org/presentationml/2006/main">
+  <p:cSld>
+    <p:spTree>
+      <p:nvGrpSpPr>
+        <p:cNvPr id="1" name=""/>
+        <p:cNvGrpSpPr/>
+        <p:nvPr/>
+      </p:nvGrpSpPr>
+      <p:grpSpPr>
+        <a:xfrm>
+          <a:off x="0" y="0"/>
+          <a:ext cx="0" cy="0"/>
+          <a:chOff x="0" y="0"/>
+          <a:chExt cx="0" cy="0"/>
+        </a:xfrm>
+      </p:grpSpPr>
+      <p:cxnSp>
+        <p:nvCxnSpPr>
+          <p:cNvPr id="14" name="직선 연결선 13"/>
+          <p:cNvCxnSpPr>
+            <a:cxnSpLocks/>
+          </p:cNvCxnSpPr>
+          <p:nvPr/>
+        </p:nvCxnSpPr>
+        <p:spPr>
+          <a:xfrm>
+            <a:off x="2554008" y="933047"/>
+            <a:ext cx="0" cy="2430791"/>
+          </a:xfrm>
+          <a:prstGeom prst="line">
+            <a:avLst/>
+          </a:prstGeom>
+          <a:ln w="28575">
+            <a:solidFill>
+              <a:schemeClr val="tx1"/>
+            </a:solidFill>
+            <a:prstDash val="dash"/>
+            <a:headEnd type="none" w="med" len="med"/>
+            <a:tailEnd type="none" w="med" len="med"/>
+          </a:ln>
+        </p:spPr>
+        <p:style>
+          <a:lnRef idx="1">
+            <a:schemeClr val="accent1"/>
+          </a:lnRef>
+          <a:fillRef idx="0">
+            <a:schemeClr val="accent1"/>
+          </a:fillRef>
+          <a:effectRef idx="0">
+            <a:schemeClr val="accent1"/>
+          </a:effectRef>
+          <a:fontRef idx="minor">
+            <a:schemeClr val="tx1"/>
+          </a:fontRef>
+        </p:style>
+      </p:cxnSp>
+      <p:sp>
+        <p:nvSpPr>
+          <p:cNvPr id="2" name="제목 1"/>
+          <p:cNvSpPr>
+            <a:spLocks noGrp="1"/>
+          </p:cNvSpPr>
+          <p:nvPr>
+            <p:ph type="title"/>
+          </p:nvPr>
+        </p:nvSpPr>
+        <p:spPr>
+          <a:xfrm>
+            <a:off x="565354" y="-164554"/>
+            <a:ext cx="8229600" cy="857250"/>
+          </a:xfrm>
+        </p:spPr>
+        <p:txBody>
+          <a:bodyPr>
+            <a:normAutofit/>
+          </a:bodyPr>
+          <a:lstStyle/>
+          <a:p>
+            <a:r>
+              <a:rPr lang="en-US" altLang="ko-KR"/>
+              <a:t>SSL Handshake with session id</a:t>
+            </a:r>
+            <a:endParaRPr lang="ko-KR" altLang="en-US" dirty="0"/>
+          </a:p>
+        </p:txBody>
+      </p:sp>
+      <p:sp>
+        <p:nvSpPr>
+          <p:cNvPr id="15" name="TextBox 14"/>
+          <p:cNvSpPr txBox="1"/>
+          <p:nvPr/>
+        </p:nvSpPr>
+        <p:spPr>
+          <a:xfrm>
+            <a:off x="1832162" y="555526"/>
+            <a:ext cx="1443694" cy="346249"/>
+          </a:xfrm>
+          <a:prstGeom prst="rect">
+            <a:avLst/>
+          </a:prstGeom>
+          <a:noFill/>
+        </p:spPr>
+        <p:txBody>
+          <a:bodyPr wrap="square" lIns="68580" tIns="34290" rIns="68580" bIns="34290" rtlCol="0" anchor="ctr">
+            <a:spAutoFit/>
+          </a:bodyPr>
+          <a:lstStyle/>
+          <a:p>
+            <a:pPr algn="ctr"/>
+            <a:r>
+              <a:rPr lang="en-US" altLang="ko-KR" dirty="0" err="1"/>
+              <a:t>SSL</a:t>
+            </a:r>
+            <a:r>
+              <a:rPr lang="en-US" altLang="ko-KR" dirty="0"/>
+              <a:t> Client</a:t>
+            </a:r>
+            <a:endParaRPr lang="ko-KR" altLang="en-US" dirty="0"/>
+          </a:p>
+        </p:txBody>
+      </p:sp>
+      <p:cxnSp>
+        <p:nvCxnSpPr>
+          <p:cNvPr id="16" name="직선 연결선 15"/>
+          <p:cNvCxnSpPr>
+            <a:cxnSpLocks/>
+          </p:cNvCxnSpPr>
+          <p:nvPr/>
+        </p:nvCxnSpPr>
+        <p:spPr>
+          <a:xfrm>
+            <a:off x="6547731" y="933047"/>
+            <a:ext cx="0" cy="2430791"/>
+          </a:xfrm>
+          <a:prstGeom prst="line">
+            <a:avLst/>
+          </a:prstGeom>
+          <a:ln w="28575">
+            <a:solidFill>
+              <a:schemeClr val="tx1"/>
+            </a:solidFill>
+            <a:prstDash val="dash"/>
+            <a:headEnd type="none" w="med" len="med"/>
+            <a:tailEnd type="none" w="med" len="med"/>
+          </a:ln>
+        </p:spPr>
+        <p:style>
+          <a:lnRef idx="1">
+            <a:schemeClr val="accent1"/>
+          </a:lnRef>
+          <a:fillRef idx="0">
+            <a:schemeClr val="accent1"/>
+          </a:fillRef>
+          <a:effectRef idx="0">
+            <a:schemeClr val="accent1"/>
+          </a:effectRef>
+          <a:fontRef idx="minor">
+            <a:schemeClr val="tx1"/>
+          </a:fontRef>
+        </p:style>
+      </p:cxnSp>
+      <p:sp>
+        <p:nvSpPr>
+          <p:cNvPr id="17" name="TextBox 16"/>
+          <p:cNvSpPr txBox="1"/>
+          <p:nvPr/>
+        </p:nvSpPr>
+        <p:spPr>
+          <a:xfrm>
+            <a:off x="5715149" y="555526"/>
+            <a:ext cx="1665164" cy="346249"/>
+          </a:xfrm>
+          <a:prstGeom prst="rect">
+            <a:avLst/>
+          </a:prstGeom>
+          <a:noFill/>
+        </p:spPr>
+        <p:txBody>
+          <a:bodyPr wrap="square" lIns="68580" tIns="34290" rIns="68580" bIns="34290" rtlCol="0" anchor="ctr">
+            <a:spAutoFit/>
+          </a:bodyPr>
+          <a:lstStyle/>
+          <a:p>
+            <a:pPr algn="ctr"/>
+            <a:r>
+              <a:rPr lang="en-US" altLang="ko-KR" dirty="0" err="1"/>
+              <a:t>SSL</a:t>
+            </a:r>
+            <a:r>
+              <a:rPr lang="en-US" altLang="ko-KR" dirty="0"/>
+              <a:t> Server</a:t>
+            </a:r>
+            <a:endParaRPr lang="ko-KR" altLang="en-US" dirty="0"/>
+          </a:p>
+        </p:txBody>
+      </p:sp>
+      <p:cxnSp>
+        <p:nvCxnSpPr>
+          <p:cNvPr id="18" name="직선 연결선 17"/>
+          <p:cNvCxnSpPr/>
+          <p:nvPr/>
+        </p:nvCxnSpPr>
+        <p:spPr>
+          <a:xfrm>
+            <a:off x="2554008" y="1202242"/>
+            <a:ext cx="3993722" cy="0"/>
+          </a:xfrm>
+          <a:prstGeom prst="line">
+            <a:avLst/>
+          </a:prstGeom>
+          <a:ln w="28575">
+            <a:solidFill>
+              <a:schemeClr val="tx1"/>
+            </a:solidFill>
+            <a:headEnd type="none" w="med" len="med"/>
+            <a:tailEnd type="arrow" w="med" len="med"/>
+          </a:ln>
+        </p:spPr>
+        <p:style>
+          <a:lnRef idx="1">
+            <a:schemeClr val="accent1"/>
+          </a:lnRef>
+          <a:fillRef idx="0">
+            <a:schemeClr val="accent1"/>
+          </a:fillRef>
+          <a:effectRef idx="0">
+            <a:schemeClr val="accent1"/>
+          </a:effectRef>
+          <a:fontRef idx="minor">
+            <a:schemeClr val="tx1"/>
+          </a:fontRef>
+        </p:style>
+      </p:cxnSp>
+      <p:sp>
+        <p:nvSpPr>
+          <p:cNvPr id="19" name="TextBox 18"/>
+          <p:cNvSpPr txBox="1"/>
+          <p:nvPr/>
+        </p:nvSpPr>
+        <p:spPr>
+          <a:xfrm>
+            <a:off x="2954541" y="954777"/>
+            <a:ext cx="3192656" cy="238527"/>
+          </a:xfrm>
+          <a:prstGeom prst="rect">
+            <a:avLst/>
+          </a:prstGeom>
+          <a:noFill/>
+        </p:spPr>
+        <p:txBody>
+          <a:bodyPr wrap="square" lIns="68580" tIns="34290" rIns="68580" bIns="34290" rtlCol="0" anchor="ctr">
+            <a:spAutoFit/>
+          </a:bodyPr>
+          <a:lstStyle/>
+          <a:p>
+            <a:pPr algn="ctr"/>
+            <a:r>
+              <a:rPr lang="en-US" altLang="ko-KR" sz="1100"/>
+              <a:t>1. Client </a:t>
+            </a:r>
+            <a:r>
+              <a:rPr lang="en-US" altLang="ko-KR" sz="1100" dirty="0"/>
+              <a:t>hello</a:t>
+            </a:r>
+            <a:endParaRPr lang="ko-KR" altLang="en-US" sz="1100" dirty="0"/>
+          </a:p>
+        </p:txBody>
+      </p:sp>
+      <p:cxnSp>
+        <p:nvCxnSpPr>
+          <p:cNvPr id="20" name="직선 연결선 19"/>
+          <p:cNvCxnSpPr>
+            <a:cxnSpLocks/>
+          </p:cNvCxnSpPr>
+          <p:nvPr/>
+        </p:nvCxnSpPr>
+        <p:spPr>
+          <a:xfrm flipH="1">
+            <a:off x="2554008" y="1493501"/>
+            <a:ext cx="3992843" cy="0"/>
+          </a:xfrm>
+          <a:prstGeom prst="line">
+            <a:avLst/>
+          </a:prstGeom>
+          <a:ln w="28575">
+            <a:solidFill>
+              <a:schemeClr val="tx1"/>
+            </a:solidFill>
+            <a:headEnd type="none" w="med" len="med"/>
+            <a:tailEnd type="arrow" w="med" len="med"/>
+          </a:ln>
+        </p:spPr>
+        <p:style>
+          <a:lnRef idx="1">
+            <a:schemeClr val="accent1"/>
+          </a:lnRef>
+          <a:fillRef idx="0">
+            <a:schemeClr val="accent1"/>
+          </a:fillRef>
+          <a:effectRef idx="0">
+            <a:schemeClr val="accent1"/>
+          </a:effectRef>
+          <a:fontRef idx="minor">
+            <a:schemeClr val="tx1"/>
+          </a:fontRef>
+        </p:style>
+      </p:cxnSp>
+      <p:sp>
+        <p:nvSpPr>
+          <p:cNvPr id="21" name="TextBox 20"/>
+          <p:cNvSpPr txBox="1"/>
+          <p:nvPr/>
+        </p:nvSpPr>
+        <p:spPr>
+          <a:xfrm>
+            <a:off x="2954539" y="1253972"/>
+            <a:ext cx="3192660" cy="238527"/>
+          </a:xfrm>
+          <a:prstGeom prst="rect">
+            <a:avLst/>
+          </a:prstGeom>
+          <a:noFill/>
+        </p:spPr>
+        <p:txBody>
+          <a:bodyPr wrap="square" lIns="68580" tIns="34290" rIns="68580" bIns="34290" rtlCol="0" anchor="ctr">
+            <a:spAutoFit/>
+          </a:bodyPr>
+          <a:lstStyle/>
+          <a:p>
+            <a:pPr algn="ctr"/>
+            <a:r>
+              <a:rPr lang="en-US" altLang="ko-KR" sz="1100"/>
+              <a:t>2. Server </a:t>
+            </a:r>
+            <a:r>
+              <a:rPr lang="en-US" altLang="ko-KR" sz="1100" dirty="0"/>
+              <a:t>hello</a:t>
+            </a:r>
+          </a:p>
+        </p:txBody>
+      </p:sp>
+      <p:cxnSp>
+        <p:nvCxnSpPr>
+          <p:cNvPr id="44" name="직선 연결선 43">
+            <a:extLst>
+              <a:ext uri="{FF2B5EF4-FFF2-40B4-BE49-F238E27FC236}">
+                <a16:creationId xmlns:a16="http://schemas.microsoft.com/office/drawing/2014/main" id="{A9FA9947-4719-41E6-95DB-DCCA789F6C97}"/>
+              </a:ext>
+            </a:extLst>
+          </p:cNvPr>
+          <p:cNvCxnSpPr>
+            <a:cxnSpLocks/>
+          </p:cNvCxnSpPr>
+          <p:nvPr/>
+        </p:nvCxnSpPr>
+        <p:spPr>
+          <a:xfrm flipH="1">
+            <a:off x="2554008" y="6338669"/>
+            <a:ext cx="3992843" cy="0"/>
+          </a:xfrm>
+          <a:prstGeom prst="line">
+            <a:avLst/>
+          </a:prstGeom>
+          <a:ln w="28575">
+            <a:solidFill>
+              <a:schemeClr val="tx1"/>
+            </a:solidFill>
+            <a:headEnd type="none" w="med" len="med"/>
+            <a:tailEnd type="arrow" w="med" len="med"/>
+          </a:ln>
+        </p:spPr>
+        <p:style>
+          <a:lnRef idx="1">
+            <a:schemeClr val="accent1"/>
+          </a:lnRef>
+          <a:fillRef idx="0">
+            <a:schemeClr val="accent1"/>
+          </a:fillRef>
+          <a:effectRef idx="0">
+            <a:schemeClr val="accent1"/>
+          </a:effectRef>
+          <a:fontRef idx="minor">
+            <a:schemeClr val="tx1"/>
+          </a:fontRef>
+        </p:style>
+      </p:cxnSp>
+      <p:sp>
+        <p:nvSpPr>
+          <p:cNvPr id="45" name="TextBox 44">
+            <a:extLst>
+              <a:ext uri="{FF2B5EF4-FFF2-40B4-BE49-F238E27FC236}">
+                <a16:creationId xmlns:a16="http://schemas.microsoft.com/office/drawing/2014/main" id="{8FBD6DBB-8D81-4556-A8B6-6870395055BB}"/>
+              </a:ext>
+            </a:extLst>
+          </p:cNvPr>
+          <p:cNvSpPr txBox="1"/>
+          <p:nvPr/>
+        </p:nvSpPr>
+        <p:spPr>
+          <a:xfrm>
+            <a:off x="2917968" y="6100142"/>
+            <a:ext cx="3192660" cy="238527"/>
+          </a:xfrm>
+          <a:prstGeom prst="rect">
+            <a:avLst/>
+          </a:prstGeom>
+          <a:noFill/>
+        </p:spPr>
+        <p:txBody>
+          <a:bodyPr wrap="square" lIns="68580" tIns="34290" rIns="68580" bIns="34290" rtlCol="0" anchor="ctr">
+            <a:spAutoFit/>
+          </a:bodyPr>
+          <a:lstStyle/>
+          <a:p>
+            <a:pPr algn="ctr"/>
+            <a:r>
+              <a:rPr lang="en-US" altLang="ko-KR" sz="1100"/>
+              <a:t>5. Server hello done</a:t>
+            </a:r>
+            <a:endParaRPr lang="en-US" altLang="ko-KR" sz="1100" dirty="0"/>
+          </a:p>
+        </p:txBody>
+      </p:sp>
+      <p:cxnSp>
+        <p:nvCxnSpPr>
+          <p:cNvPr id="56" name="직선 연결선 55">
+            <a:extLst>
+              <a:ext uri="{FF2B5EF4-FFF2-40B4-BE49-F238E27FC236}">
+                <a16:creationId xmlns:a16="http://schemas.microsoft.com/office/drawing/2014/main" id="{894325AA-AB75-44F0-9F2D-213706D9840B}"/>
+              </a:ext>
+            </a:extLst>
+          </p:cNvPr>
+          <p:cNvCxnSpPr/>
+          <p:nvPr/>
+        </p:nvCxnSpPr>
+        <p:spPr>
+          <a:xfrm>
+            <a:off x="2547829" y="1778402"/>
+            <a:ext cx="3993722" cy="0"/>
+          </a:xfrm>
+          <a:prstGeom prst="line">
+            <a:avLst/>
+          </a:prstGeom>
+          <a:ln w="28575">
+            <a:solidFill>
+              <a:schemeClr val="tx1"/>
+            </a:solidFill>
+            <a:headEnd type="none" w="med" len="med"/>
+            <a:tailEnd type="arrow" w="med" len="med"/>
+          </a:ln>
+        </p:spPr>
+        <p:style>
+          <a:lnRef idx="1">
+            <a:schemeClr val="accent1"/>
+          </a:lnRef>
+          <a:fillRef idx="0">
+            <a:schemeClr val="accent1"/>
+          </a:fillRef>
+          <a:effectRef idx="0">
+            <a:schemeClr val="accent1"/>
+          </a:effectRef>
+          <a:fontRef idx="minor">
+            <a:schemeClr val="tx1"/>
+          </a:fontRef>
+        </p:style>
+      </p:cxnSp>
+      <p:sp>
+        <p:nvSpPr>
+          <p:cNvPr id="57" name="TextBox 56">
+            <a:extLst>
+              <a:ext uri="{FF2B5EF4-FFF2-40B4-BE49-F238E27FC236}">
+                <a16:creationId xmlns:a16="http://schemas.microsoft.com/office/drawing/2014/main" id="{9DD5CDE2-131D-40A5-9F71-78FDA27CA543}"/>
+              </a:ext>
+            </a:extLst>
+          </p:cNvPr>
+          <p:cNvSpPr txBox="1"/>
+          <p:nvPr/>
+        </p:nvSpPr>
+        <p:spPr>
+          <a:xfrm>
+            <a:off x="2948362" y="1539875"/>
+            <a:ext cx="3192656" cy="238527"/>
+          </a:xfrm>
+          <a:prstGeom prst="rect">
+            <a:avLst/>
+          </a:prstGeom>
+          <a:noFill/>
+        </p:spPr>
+        <p:txBody>
+          <a:bodyPr wrap="square" lIns="68580" tIns="34290" rIns="68580" bIns="34290" rtlCol="0" anchor="ctr">
+            <a:spAutoFit/>
+          </a:bodyPr>
+          <a:lstStyle/>
+          <a:p>
+            <a:pPr algn="ctr"/>
+            <a:r>
+              <a:rPr lang="en-US" altLang="ko-KR" sz="1100"/>
+              <a:t>3. Change cipher spec</a:t>
+            </a:r>
+            <a:endParaRPr lang="ko-KR" altLang="en-US" sz="1100" dirty="0"/>
+          </a:p>
+        </p:txBody>
+      </p:sp>
+      <p:cxnSp>
+        <p:nvCxnSpPr>
+          <p:cNvPr id="58" name="직선 연결선 57">
+            <a:extLst>
+              <a:ext uri="{FF2B5EF4-FFF2-40B4-BE49-F238E27FC236}">
+                <a16:creationId xmlns:a16="http://schemas.microsoft.com/office/drawing/2014/main" id="{6E400A8A-FF7C-4A75-9F67-A1F83E81BDDD}"/>
+              </a:ext>
+            </a:extLst>
+          </p:cNvPr>
+          <p:cNvCxnSpPr/>
+          <p:nvPr/>
+        </p:nvCxnSpPr>
+        <p:spPr>
+          <a:xfrm>
+            <a:off x="2554008" y="2069182"/>
+            <a:ext cx="3993722" cy="0"/>
+          </a:xfrm>
+          <a:prstGeom prst="line">
+            <a:avLst/>
+          </a:prstGeom>
+          <a:ln w="28575">
+            <a:solidFill>
+              <a:schemeClr val="tx1"/>
+            </a:solidFill>
+            <a:headEnd type="none" w="med" len="med"/>
+            <a:tailEnd type="arrow" w="med" len="med"/>
+          </a:ln>
+        </p:spPr>
+        <p:style>
+          <a:lnRef idx="1">
+            <a:schemeClr val="accent1"/>
+          </a:lnRef>
+          <a:fillRef idx="0">
+            <a:schemeClr val="accent1"/>
+          </a:fillRef>
+          <a:effectRef idx="0">
+            <a:schemeClr val="accent1"/>
+          </a:effectRef>
+          <a:fontRef idx="minor">
+            <a:schemeClr val="tx1"/>
+          </a:fontRef>
+        </p:style>
+      </p:cxnSp>
+      <p:sp>
+        <p:nvSpPr>
+          <p:cNvPr id="59" name="TextBox 58">
+            <a:extLst>
+              <a:ext uri="{FF2B5EF4-FFF2-40B4-BE49-F238E27FC236}">
+                <a16:creationId xmlns:a16="http://schemas.microsoft.com/office/drawing/2014/main" id="{48754042-8D1C-45CF-9349-6D386CCAC557}"/>
+              </a:ext>
+            </a:extLst>
+          </p:cNvPr>
+          <p:cNvSpPr txBox="1"/>
+          <p:nvPr/>
+        </p:nvSpPr>
+        <p:spPr>
+          <a:xfrm>
+            <a:off x="2954541" y="1830655"/>
+            <a:ext cx="3192656" cy="238527"/>
+          </a:xfrm>
+          <a:prstGeom prst="rect">
+            <a:avLst/>
+          </a:prstGeom>
+          <a:noFill/>
+        </p:spPr>
+        <p:txBody>
+          <a:bodyPr wrap="square" lIns="68580" tIns="34290" rIns="68580" bIns="34290" rtlCol="0" anchor="ctr">
+            <a:spAutoFit/>
+          </a:bodyPr>
+          <a:lstStyle/>
+          <a:p>
+            <a:pPr algn="ctr"/>
+            <a:r>
+              <a:rPr lang="en-US" altLang="ko-KR" sz="1100"/>
+              <a:t>4. Client finish</a:t>
+            </a:r>
+            <a:endParaRPr lang="ko-KR" altLang="en-US" sz="1100" dirty="0"/>
+          </a:p>
+        </p:txBody>
+      </p:sp>
+      <p:cxnSp>
+        <p:nvCxnSpPr>
+          <p:cNvPr id="60" name="직선 연결선 59">
+            <a:extLst>
+              <a:ext uri="{FF2B5EF4-FFF2-40B4-BE49-F238E27FC236}">
+                <a16:creationId xmlns:a16="http://schemas.microsoft.com/office/drawing/2014/main" id="{393BCCF4-E01A-44C6-8782-42051C54257B}"/>
+              </a:ext>
+            </a:extLst>
+          </p:cNvPr>
+          <p:cNvCxnSpPr/>
+          <p:nvPr/>
+        </p:nvCxnSpPr>
+        <p:spPr>
+          <a:xfrm>
+            <a:off x="2547829" y="2357085"/>
+            <a:ext cx="3993722" cy="0"/>
+          </a:xfrm>
+          <a:prstGeom prst="line">
+            <a:avLst/>
+          </a:prstGeom>
+          <a:ln w="28575">
+            <a:solidFill>
+              <a:schemeClr val="tx1"/>
+            </a:solidFill>
+            <a:headEnd type="arrow" w="med" len="med"/>
+            <a:tailEnd type="none" w="med" len="med"/>
+          </a:ln>
+        </p:spPr>
+        <p:style>
+          <a:lnRef idx="1">
+            <a:schemeClr val="accent1"/>
+          </a:lnRef>
+          <a:fillRef idx="0">
+            <a:schemeClr val="accent1"/>
+          </a:fillRef>
+          <a:effectRef idx="0">
+            <a:schemeClr val="accent1"/>
+          </a:effectRef>
+          <a:fontRef idx="minor">
+            <a:schemeClr val="tx1"/>
+          </a:fontRef>
+        </p:style>
+      </p:cxnSp>
+      <p:sp>
+        <p:nvSpPr>
+          <p:cNvPr id="61" name="TextBox 60">
+            <a:extLst>
+              <a:ext uri="{FF2B5EF4-FFF2-40B4-BE49-F238E27FC236}">
+                <a16:creationId xmlns:a16="http://schemas.microsoft.com/office/drawing/2014/main" id="{79B00122-7477-4434-A379-93470BC63028}"/>
+              </a:ext>
+            </a:extLst>
+          </p:cNvPr>
+          <p:cNvSpPr txBox="1"/>
+          <p:nvPr/>
+        </p:nvSpPr>
+        <p:spPr>
+          <a:xfrm>
+            <a:off x="2948362" y="2118558"/>
+            <a:ext cx="3192656" cy="238527"/>
+          </a:xfrm>
+          <a:prstGeom prst="rect">
+            <a:avLst/>
+          </a:prstGeom>
+          <a:noFill/>
+        </p:spPr>
+        <p:txBody>
+          <a:bodyPr wrap="square" lIns="68580" tIns="34290" rIns="68580" bIns="34290" rtlCol="0" anchor="ctr">
+            <a:spAutoFit/>
+          </a:bodyPr>
+          <a:lstStyle/>
+          <a:p>
+            <a:pPr algn="ctr"/>
+            <a:r>
+              <a:rPr lang="en-US" altLang="ko-KR" sz="1100"/>
+              <a:t>5. Change cipher spec</a:t>
+            </a:r>
+            <a:endParaRPr lang="ko-KR" altLang="en-US" sz="1100" dirty="0"/>
+          </a:p>
+        </p:txBody>
+      </p:sp>
+      <p:cxnSp>
+        <p:nvCxnSpPr>
+          <p:cNvPr id="62" name="직선 연결선 61">
+            <a:extLst>
+              <a:ext uri="{FF2B5EF4-FFF2-40B4-BE49-F238E27FC236}">
+                <a16:creationId xmlns:a16="http://schemas.microsoft.com/office/drawing/2014/main" id="{6462EE50-3860-4BF9-8B5B-9E9C6F8DEF5B}"/>
+              </a:ext>
+            </a:extLst>
+          </p:cNvPr>
+          <p:cNvCxnSpPr/>
+          <p:nvPr/>
+        </p:nvCxnSpPr>
+        <p:spPr>
+          <a:xfrm>
+            <a:off x="2554008" y="2647865"/>
+            <a:ext cx="3993722" cy="0"/>
+          </a:xfrm>
+          <a:prstGeom prst="line">
+            <a:avLst/>
+          </a:prstGeom>
+          <a:ln w="28575">
+            <a:solidFill>
+              <a:schemeClr val="tx1"/>
+            </a:solidFill>
+            <a:headEnd type="arrow" w="med" len="med"/>
+            <a:tailEnd type="none" w="med" len="med"/>
+          </a:ln>
+        </p:spPr>
+        <p:style>
+          <a:lnRef idx="1">
+            <a:schemeClr val="accent1"/>
+          </a:lnRef>
+          <a:fillRef idx="0">
+            <a:schemeClr val="accent1"/>
+          </a:fillRef>
+          <a:effectRef idx="0">
+            <a:schemeClr val="accent1"/>
+          </a:effectRef>
+          <a:fontRef idx="minor">
+            <a:schemeClr val="tx1"/>
+          </a:fontRef>
+        </p:style>
+      </p:cxnSp>
+      <p:cxnSp>
+        <p:nvCxnSpPr>
+          <p:cNvPr id="65" name="직선 연결선 64">
+            <a:extLst>
+              <a:ext uri="{FF2B5EF4-FFF2-40B4-BE49-F238E27FC236}">
+                <a16:creationId xmlns:a16="http://schemas.microsoft.com/office/drawing/2014/main" id="{31F040DA-CEF1-4CF3-A39F-3C18BFE737F3}"/>
+              </a:ext>
+            </a:extLst>
+          </p:cNvPr>
+          <p:cNvCxnSpPr/>
+          <p:nvPr/>
+        </p:nvCxnSpPr>
+        <p:spPr>
+          <a:xfrm>
+            <a:off x="2554008" y="3218637"/>
+            <a:ext cx="3993722" cy="0"/>
+          </a:xfrm>
+          <a:prstGeom prst="line">
+            <a:avLst/>
+          </a:prstGeom>
+          <a:ln w="28575">
+            <a:solidFill>
+              <a:schemeClr val="tx1"/>
+            </a:solidFill>
+            <a:headEnd type="arrow" w="med" len="med"/>
+            <a:tailEnd type="arrow" w="med" len="med"/>
+          </a:ln>
+        </p:spPr>
+        <p:style>
+          <a:lnRef idx="1">
+            <a:schemeClr val="accent1"/>
+          </a:lnRef>
+          <a:fillRef idx="0">
+            <a:schemeClr val="accent1"/>
+          </a:fillRef>
+          <a:effectRef idx="0">
+            <a:schemeClr val="accent1"/>
+          </a:effectRef>
+          <a:fontRef idx="minor">
+            <a:schemeClr val="tx1"/>
+          </a:fontRef>
+        </p:style>
+      </p:cxnSp>
+      <p:sp>
+        <p:nvSpPr>
+          <p:cNvPr id="63" name="TextBox 62">
+            <a:extLst>
+              <a:ext uri="{FF2B5EF4-FFF2-40B4-BE49-F238E27FC236}">
+                <a16:creationId xmlns:a16="http://schemas.microsoft.com/office/drawing/2014/main" id="{2BF6C344-CEEC-4BED-8EAC-BC32A20073DD}"/>
+              </a:ext>
+            </a:extLst>
+          </p:cNvPr>
+          <p:cNvSpPr txBox="1"/>
+          <p:nvPr/>
+        </p:nvSpPr>
+        <p:spPr>
+          <a:xfrm>
+            <a:off x="2954541" y="2409338"/>
+            <a:ext cx="3192656" cy="238527"/>
+          </a:xfrm>
+          <a:prstGeom prst="rect">
+            <a:avLst/>
+          </a:prstGeom>
+          <a:noFill/>
+        </p:spPr>
+        <p:txBody>
+          <a:bodyPr wrap="square" lIns="68580" tIns="34290" rIns="68580" bIns="34290" rtlCol="0" anchor="ctr">
+            <a:spAutoFit/>
+          </a:bodyPr>
+          <a:lstStyle/>
+          <a:p>
+            <a:pPr algn="ctr"/>
+            <a:r>
+              <a:rPr lang="en-US" altLang="ko-KR" sz="1100"/>
+              <a:t>6. Client finish</a:t>
+            </a:r>
+            <a:endParaRPr lang="ko-KR" altLang="en-US" sz="1100" dirty="0"/>
+          </a:p>
+        </p:txBody>
+      </p:sp>
+      <p:sp>
+        <p:nvSpPr>
+          <p:cNvPr id="66" name="TextBox 65">
+            <a:extLst>
+              <a:ext uri="{FF2B5EF4-FFF2-40B4-BE49-F238E27FC236}">
+                <a16:creationId xmlns:a16="http://schemas.microsoft.com/office/drawing/2014/main" id="{6D88113C-C756-4D18-A2F2-B401F3084479}"/>
+              </a:ext>
+            </a:extLst>
+          </p:cNvPr>
+          <p:cNvSpPr txBox="1"/>
+          <p:nvPr/>
+        </p:nvSpPr>
+        <p:spPr>
+          <a:xfrm>
+            <a:off x="2954541" y="2980110"/>
+            <a:ext cx="3192656" cy="238527"/>
+          </a:xfrm>
+          <a:prstGeom prst="rect">
+            <a:avLst/>
+          </a:prstGeom>
+          <a:noFill/>
+        </p:spPr>
+        <p:txBody>
+          <a:bodyPr wrap="square" lIns="68580" tIns="34290" rIns="68580" bIns="34290" rtlCol="0" anchor="ctr">
+            <a:spAutoFit/>
+          </a:bodyPr>
+          <a:lstStyle/>
+          <a:p>
+            <a:pPr algn="ctr"/>
+            <a:r>
+              <a:rPr lang="en-US" altLang="ko-KR" sz="1100"/>
+              <a:t>7. App data</a:t>
+            </a:r>
+            <a:endParaRPr lang="ko-KR" altLang="en-US" sz="1100" dirty="0"/>
+          </a:p>
+        </p:txBody>
+      </p:sp>
+    </p:spTree>
+    <p:extLst>
+      <p:ext uri="{BB962C8B-B14F-4D97-AF65-F5344CB8AC3E}">
+        <p14:creationId xmlns:p14="http://schemas.microsoft.com/office/powerpoint/2010/main" val="4100140824"/>
       </p:ext>
     </p:extLst>
   </p:cSld>

--- a/images/theory_analysis/SSL/SSL.pptx
+++ b/images/theory_analysis/SSL/SSL.pptx
@@ -214,7 +214,7 @@
           <a:p>
             <a:fld id="{6CD5550B-26C4-49A9-A5BA-636EF7BE6CE9}" type="datetimeFigureOut">
               <a:rPr lang="ko-KR" altLang="en-US" smtClean="0"/>
-              <a:t>2018-10-14</a:t>
+              <a:t>2018-10-15</a:t>
             </a:fld>
             <a:endParaRPr lang="ko-KR" altLang="en-US"/>
           </a:p>
@@ -828,7 +828,7 @@
           <a:p>
             <a:fld id="{FB30EDBD-1C2D-4C1E-B459-B60219FAB484}" type="datetimeFigureOut">
               <a:rPr lang="ko-KR" altLang="en-US" smtClean="0"/>
-              <a:t>2018-10-14</a:t>
+              <a:t>2018-10-15</a:t>
             </a:fld>
             <a:endParaRPr lang="ko-KR" altLang="en-US"/>
           </a:p>
@@ -991,7 +991,7 @@
           <a:p>
             <a:fld id="{FB30EDBD-1C2D-4C1E-B459-B60219FAB484}" type="datetimeFigureOut">
               <a:rPr lang="ko-KR" altLang="en-US" smtClean="0"/>
-              <a:t>2018-10-14</a:t>
+              <a:t>2018-10-15</a:t>
             </a:fld>
             <a:endParaRPr lang="ko-KR" altLang="en-US"/>
           </a:p>
@@ -1164,7 +1164,7 @@
           <a:p>
             <a:fld id="{FB30EDBD-1C2D-4C1E-B459-B60219FAB484}" type="datetimeFigureOut">
               <a:rPr lang="ko-KR" altLang="en-US" smtClean="0"/>
-              <a:t>2018-10-14</a:t>
+              <a:t>2018-10-15</a:t>
             </a:fld>
             <a:endParaRPr lang="ko-KR" altLang="en-US"/>
           </a:p>
@@ -1327,7 +1327,7 @@
           <a:p>
             <a:fld id="{FB30EDBD-1C2D-4C1E-B459-B60219FAB484}" type="datetimeFigureOut">
               <a:rPr lang="ko-KR" altLang="en-US" smtClean="0"/>
-              <a:t>2018-10-14</a:t>
+              <a:t>2018-10-15</a:t>
             </a:fld>
             <a:endParaRPr lang="ko-KR" altLang="en-US"/>
           </a:p>
@@ -1567,7 +1567,7 @@
           <a:p>
             <a:fld id="{FB30EDBD-1C2D-4C1E-B459-B60219FAB484}" type="datetimeFigureOut">
               <a:rPr lang="ko-KR" altLang="en-US" smtClean="0"/>
-              <a:t>2018-10-14</a:t>
+              <a:t>2018-10-15</a:t>
             </a:fld>
             <a:endParaRPr lang="ko-KR" altLang="en-US"/>
           </a:p>
@@ -1847,7 +1847,7 @@
           <a:p>
             <a:fld id="{FB30EDBD-1C2D-4C1E-B459-B60219FAB484}" type="datetimeFigureOut">
               <a:rPr lang="ko-KR" altLang="en-US" smtClean="0"/>
-              <a:t>2018-10-14</a:t>
+              <a:t>2018-10-15</a:t>
             </a:fld>
             <a:endParaRPr lang="ko-KR" altLang="en-US"/>
           </a:p>
@@ -2261,7 +2261,7 @@
           <a:p>
             <a:fld id="{FB30EDBD-1C2D-4C1E-B459-B60219FAB484}" type="datetimeFigureOut">
               <a:rPr lang="ko-KR" altLang="en-US" smtClean="0"/>
-              <a:t>2018-10-14</a:t>
+              <a:t>2018-10-15</a:t>
             </a:fld>
             <a:endParaRPr lang="ko-KR" altLang="en-US"/>
           </a:p>
@@ -2373,7 +2373,7 @@
           <a:p>
             <a:fld id="{FB30EDBD-1C2D-4C1E-B459-B60219FAB484}" type="datetimeFigureOut">
               <a:rPr lang="ko-KR" altLang="en-US" smtClean="0"/>
-              <a:t>2018-10-14</a:t>
+              <a:t>2018-10-15</a:t>
             </a:fld>
             <a:endParaRPr lang="ko-KR" altLang="en-US"/>
           </a:p>
@@ -2463,7 +2463,7 @@
           <a:p>
             <a:fld id="{FB30EDBD-1C2D-4C1E-B459-B60219FAB484}" type="datetimeFigureOut">
               <a:rPr lang="ko-KR" altLang="en-US" smtClean="0"/>
-              <a:t>2018-10-14</a:t>
+              <a:t>2018-10-15</a:t>
             </a:fld>
             <a:endParaRPr lang="ko-KR" altLang="en-US"/>
           </a:p>
@@ -2733,7 +2733,7 @@
           <a:p>
             <a:fld id="{FB30EDBD-1C2D-4C1E-B459-B60219FAB484}" type="datetimeFigureOut">
               <a:rPr lang="ko-KR" altLang="en-US" smtClean="0"/>
-              <a:t>2018-10-14</a:t>
+              <a:t>2018-10-15</a:t>
             </a:fld>
             <a:endParaRPr lang="ko-KR" altLang="en-US"/>
           </a:p>
@@ -2980,7 +2980,7 @@
           <a:p>
             <a:fld id="{FB30EDBD-1C2D-4C1E-B459-B60219FAB484}" type="datetimeFigureOut">
               <a:rPr lang="ko-KR" altLang="en-US" smtClean="0"/>
-              <a:t>2018-10-14</a:t>
+              <a:t>2018-10-15</a:t>
             </a:fld>
             <a:endParaRPr lang="ko-KR" altLang="en-US"/>
           </a:p>
@@ -3186,7 +3186,7 @@
           <a:p>
             <a:fld id="{FB30EDBD-1C2D-4C1E-B459-B60219FAB484}" type="datetimeFigureOut">
               <a:rPr lang="ko-KR" altLang="en-US" smtClean="0"/>
-              <a:t>2018-10-14</a:t>
+              <a:t>2018-10-15</a:t>
             </a:fld>
             <a:endParaRPr lang="ko-KR" altLang="en-US"/>
           </a:p>
@@ -3634,8 +3634,8 @@
         </p:nvSpPr>
         <p:spPr>
           <a:xfrm>
-            <a:off x="1832162" y="555526"/>
-            <a:ext cx="1443694" cy="346249"/>
+            <a:off x="1832162" y="586304"/>
+            <a:ext cx="1443694" cy="284693"/>
           </a:xfrm>
           <a:prstGeom prst="rect">
             <a:avLst/>
@@ -3650,14 +3650,14 @@
           <a:p>
             <a:pPr algn="ctr"/>
             <a:r>
-              <a:rPr lang="en-US" altLang="ko-KR" dirty="0" err="1"/>
+              <a:rPr lang="en-US" altLang="ko-KR" sz="1400" dirty="0" err="1"/>
               <a:t>SSL</a:t>
             </a:r>
             <a:r>
-              <a:rPr lang="en-US" altLang="ko-KR" dirty="0"/>
+              <a:rPr lang="en-US" altLang="ko-KR" sz="1400" dirty="0"/>
               <a:t> Client</a:t>
             </a:r>
-            <a:endParaRPr lang="ko-KR" altLang="en-US" dirty="0"/>
+            <a:endParaRPr lang="ko-KR" altLang="en-US" sz="1400" dirty="0"/>
           </a:p>
         </p:txBody>
       </p:sp>
@@ -3709,8 +3709,8 @@
         </p:nvSpPr>
         <p:spPr>
           <a:xfrm>
-            <a:off x="5715149" y="555526"/>
-            <a:ext cx="1665164" cy="346249"/>
+            <a:off x="5715149" y="586304"/>
+            <a:ext cx="1665164" cy="284693"/>
           </a:xfrm>
           <a:prstGeom prst="rect">
             <a:avLst/>
@@ -3725,14 +3725,14 @@
           <a:p>
             <a:pPr algn="ctr"/>
             <a:r>
-              <a:rPr lang="en-US" altLang="ko-KR" dirty="0" err="1"/>
+              <a:rPr lang="en-US" altLang="ko-KR" sz="1400" dirty="0" err="1"/>
               <a:t>SSL</a:t>
             </a:r>
             <a:r>
-              <a:rPr lang="en-US" altLang="ko-KR" dirty="0"/>
+              <a:rPr lang="en-US" altLang="ko-KR" sz="1400" dirty="0"/>
               <a:t> Server</a:t>
             </a:r>
-            <a:endParaRPr lang="ko-KR" altLang="en-US" dirty="0"/>
+            <a:endParaRPr lang="ko-KR" altLang="en-US" sz="1400" dirty="0"/>
           </a:p>
         </p:txBody>
       </p:sp>
@@ -4957,8 +4957,8 @@
         </p:nvSpPr>
         <p:spPr>
           <a:xfrm>
-            <a:off x="1832162" y="555526"/>
-            <a:ext cx="1443694" cy="346249"/>
+            <a:off x="1832162" y="586304"/>
+            <a:ext cx="1443694" cy="284693"/>
           </a:xfrm>
           <a:prstGeom prst="rect">
             <a:avLst/>
@@ -4973,14 +4973,14 @@
           <a:p>
             <a:pPr algn="ctr"/>
             <a:r>
-              <a:rPr lang="en-US" altLang="ko-KR" dirty="0" err="1"/>
+              <a:rPr lang="en-US" altLang="ko-KR" sz="1400" dirty="0" err="1"/>
               <a:t>SSL</a:t>
             </a:r>
             <a:r>
-              <a:rPr lang="en-US" altLang="ko-KR" dirty="0"/>
+              <a:rPr lang="en-US" altLang="ko-KR" sz="1400" dirty="0"/>
               <a:t> Client</a:t>
             </a:r>
-            <a:endParaRPr lang="ko-KR" altLang="en-US" dirty="0"/>
+            <a:endParaRPr lang="ko-KR" altLang="en-US" sz="1400" dirty="0"/>
           </a:p>
         </p:txBody>
       </p:sp>
@@ -5032,8 +5032,8 @@
         </p:nvSpPr>
         <p:spPr>
           <a:xfrm>
-            <a:off x="5715149" y="555526"/>
-            <a:ext cx="1665164" cy="346249"/>
+            <a:off x="5715149" y="586304"/>
+            <a:ext cx="1665164" cy="284693"/>
           </a:xfrm>
           <a:prstGeom prst="rect">
             <a:avLst/>
@@ -5048,14 +5048,14 @@
           <a:p>
             <a:pPr algn="ctr"/>
             <a:r>
-              <a:rPr lang="en-US" altLang="ko-KR" dirty="0" err="1"/>
+              <a:rPr lang="en-US" altLang="ko-KR" sz="1400" dirty="0" err="1"/>
               <a:t>SSL</a:t>
             </a:r>
             <a:r>
-              <a:rPr lang="en-US" altLang="ko-KR" dirty="0"/>
+              <a:rPr lang="en-US" altLang="ko-KR" sz="1400" dirty="0"/>
               <a:t> Server</a:t>
             </a:r>
-            <a:endParaRPr lang="ko-KR" altLang="en-US" dirty="0"/>
+            <a:endParaRPr lang="ko-KR" altLang="en-US" sz="1400" dirty="0"/>
           </a:p>
         </p:txBody>
       </p:sp>
